--- a/Teste Estresse.pptx
+++ b/Teste Estresse.pptx
@@ -273,7 +273,7 @@
           <a:p>
             <a:fld id="{C43A76A3-ADC8-4477-8FC1-B9DD55D84908}" type="datetime1">
               <a:rPr lang="en-US" smtClean="0"/>
-              <a:t>10/26/2025</a:t>
+              <a:t>10/27/2025</a:t>
             </a:fld>
             <a:endParaRPr lang="en-US" dirty="0"/>
           </a:p>
@@ -300,7 +300,7 @@
           <a:bodyPr/>
           <a:lstStyle/>
           <a:p>
-            <a:endParaRPr lang="en-US"/>
+            <a:endParaRPr lang="en-US" dirty="0"/>
           </a:p>
         </p:txBody>
       </p:sp>
@@ -471,9 +471,9 @@
           <a:p>
             <a:fld id="{D6762538-DC4D-4667-96E5-B3278DDF8B12}" type="datetime1">
               <a:rPr lang="en-US" smtClean="0"/>
-              <a:t>10/26/2025</a:t>
+              <a:t>10/27/2025</a:t>
             </a:fld>
-            <a:endParaRPr lang="en-US"/>
+            <a:endParaRPr lang="en-US" dirty="0"/>
           </a:p>
         </p:txBody>
       </p:sp>
@@ -498,7 +498,7 @@
           <a:bodyPr/>
           <a:lstStyle/>
           <a:p>
-            <a:endParaRPr lang="en-US"/>
+            <a:endParaRPr lang="en-US" dirty="0"/>
           </a:p>
         </p:txBody>
       </p:sp>
@@ -527,7 +527,7 @@
               <a:rPr lang="en-US" smtClean="0"/>
               <a:t>‹nº›</a:t>
             </a:fld>
-            <a:endParaRPr lang="en-US"/>
+            <a:endParaRPr lang="en-US" dirty="0"/>
           </a:p>
         </p:txBody>
       </p:sp>
@@ -679,9 +679,9 @@
           <a:p>
             <a:fld id="{05880548-5C08-4BE3-B63E-F2BB63B0B00C}" type="datetime1">
               <a:rPr lang="en-US" smtClean="0"/>
-              <a:t>10/26/2025</a:t>
+              <a:t>10/27/2025</a:t>
             </a:fld>
-            <a:endParaRPr lang="en-US"/>
+            <a:endParaRPr lang="en-US" dirty="0"/>
           </a:p>
         </p:txBody>
       </p:sp>
@@ -706,7 +706,7 @@
           <a:bodyPr/>
           <a:lstStyle/>
           <a:p>
-            <a:endParaRPr lang="en-US"/>
+            <a:endParaRPr lang="en-US" dirty="0"/>
           </a:p>
         </p:txBody>
       </p:sp>
@@ -735,7 +735,7 @@
               <a:rPr lang="en-US" smtClean="0"/>
               <a:t>‹nº›</a:t>
             </a:fld>
-            <a:endParaRPr lang="en-US"/>
+            <a:endParaRPr lang="en-US" dirty="0"/>
           </a:p>
         </p:txBody>
       </p:sp>
@@ -877,9 +877,9 @@
           <a:p>
             <a:fld id="{DE7F49BE-398D-479A-8A7E-5DDBCA61EDCB}" type="datetime1">
               <a:rPr lang="en-US" smtClean="0"/>
-              <a:t>10/26/2025</a:t>
+              <a:t>10/27/2025</a:t>
             </a:fld>
-            <a:endParaRPr lang="en-US"/>
+            <a:endParaRPr lang="en-US" dirty="0"/>
           </a:p>
         </p:txBody>
       </p:sp>
@@ -904,7 +904,7 @@
           <a:bodyPr/>
           <a:lstStyle/>
           <a:p>
-            <a:endParaRPr lang="en-US"/>
+            <a:endParaRPr lang="en-US" dirty="0"/>
           </a:p>
         </p:txBody>
       </p:sp>
@@ -933,7 +933,7 @@
               <a:rPr lang="en-US" smtClean="0"/>
               <a:t>‹nº›</a:t>
             </a:fld>
-            <a:endParaRPr lang="en-US"/>
+            <a:endParaRPr lang="en-US" dirty="0"/>
           </a:p>
         </p:txBody>
       </p:sp>
@@ -1153,9 +1153,9 @@
           <a:p>
             <a:fld id="{CCD0C193-4974-4A1F-9C63-07D595E30D66}" type="datetime1">
               <a:rPr lang="en-US" smtClean="0"/>
-              <a:t>10/26/2025</a:t>
+              <a:t>10/27/2025</a:t>
             </a:fld>
-            <a:endParaRPr lang="en-US"/>
+            <a:endParaRPr lang="en-US" dirty="0"/>
           </a:p>
         </p:txBody>
       </p:sp>
@@ -1180,7 +1180,7 @@
           <a:bodyPr/>
           <a:lstStyle/>
           <a:p>
-            <a:endParaRPr lang="en-US"/>
+            <a:endParaRPr lang="en-US" dirty="0"/>
           </a:p>
         </p:txBody>
       </p:sp>
@@ -1209,7 +1209,7 @@
               <a:rPr lang="en-US" smtClean="0"/>
               <a:t>‹nº›</a:t>
             </a:fld>
-            <a:endParaRPr lang="en-US"/>
+            <a:endParaRPr lang="en-US" dirty="0"/>
           </a:p>
         </p:txBody>
       </p:sp>
@@ -1420,9 +1420,9 @@
           <a:p>
             <a:fld id="{701AA87F-28D4-4BF0-B81F-877A89DFD5AC}" type="datetime1">
               <a:rPr lang="en-US" smtClean="0"/>
-              <a:t>10/26/2025</a:t>
+              <a:t>10/27/2025</a:t>
             </a:fld>
-            <a:endParaRPr lang="en-US"/>
+            <a:endParaRPr lang="en-US" dirty="0"/>
           </a:p>
         </p:txBody>
       </p:sp>
@@ -1447,7 +1447,7 @@
           <a:bodyPr/>
           <a:lstStyle/>
           <a:p>
-            <a:endParaRPr lang="en-US"/>
+            <a:endParaRPr lang="en-US" dirty="0"/>
           </a:p>
         </p:txBody>
       </p:sp>
@@ -1476,7 +1476,7 @@
               <a:rPr lang="en-US" smtClean="0"/>
               <a:t>‹nº›</a:t>
             </a:fld>
-            <a:endParaRPr lang="en-US"/>
+            <a:endParaRPr lang="en-US" dirty="0"/>
           </a:p>
         </p:txBody>
       </p:sp>
@@ -1834,9 +1834,9 @@
           <a:p>
             <a:fld id="{A8A9F1F3-208B-49A3-B337-9C8ACEB3E0E1}" type="datetime1">
               <a:rPr lang="en-US" smtClean="0"/>
-              <a:t>10/26/2025</a:t>
+              <a:t>10/27/2025</a:t>
             </a:fld>
-            <a:endParaRPr lang="en-US"/>
+            <a:endParaRPr lang="en-US" dirty="0"/>
           </a:p>
         </p:txBody>
       </p:sp>
@@ -1861,7 +1861,7 @@
           <a:bodyPr/>
           <a:lstStyle/>
           <a:p>
-            <a:endParaRPr lang="en-US"/>
+            <a:endParaRPr lang="en-US" dirty="0"/>
           </a:p>
         </p:txBody>
       </p:sp>
@@ -1890,7 +1890,7 @@
               <a:rPr lang="en-US" smtClean="0"/>
               <a:t>‹nº›</a:t>
             </a:fld>
-            <a:endParaRPr lang="en-US"/>
+            <a:endParaRPr lang="en-US" dirty="0"/>
           </a:p>
         </p:txBody>
       </p:sp>
@@ -1981,9 +1981,9 @@
           <a:p>
             <a:fld id="{27AF6CA6-7293-4AA2-A0E0-A3BF4416E786}" type="datetime1">
               <a:rPr lang="en-US" smtClean="0"/>
-              <a:t>10/26/2025</a:t>
+              <a:t>10/27/2025</a:t>
             </a:fld>
-            <a:endParaRPr lang="en-US"/>
+            <a:endParaRPr lang="en-US" dirty="0"/>
           </a:p>
         </p:txBody>
       </p:sp>
@@ -2008,7 +2008,7 @@
           <a:bodyPr/>
           <a:lstStyle/>
           <a:p>
-            <a:endParaRPr lang="en-US"/>
+            <a:endParaRPr lang="en-US" dirty="0"/>
           </a:p>
         </p:txBody>
       </p:sp>
@@ -2037,7 +2037,7 @@
               <a:rPr lang="en-US" smtClean="0"/>
               <a:t>‹nº›</a:t>
             </a:fld>
-            <a:endParaRPr lang="en-US"/>
+            <a:endParaRPr lang="en-US" dirty="0"/>
           </a:p>
         </p:txBody>
       </p:sp>
@@ -2094,9 +2094,9 @@
           <a:p>
             <a:fld id="{98D87016-7BCD-46FB-8EE3-AB6C369108B4}" type="datetime1">
               <a:rPr lang="en-US" smtClean="0"/>
-              <a:t>10/26/2025</a:t>
+              <a:t>10/27/2025</a:t>
             </a:fld>
-            <a:endParaRPr lang="en-US"/>
+            <a:endParaRPr lang="en-US" dirty="0"/>
           </a:p>
         </p:txBody>
       </p:sp>
@@ -2121,7 +2121,7 @@
           <a:bodyPr/>
           <a:lstStyle/>
           <a:p>
-            <a:endParaRPr lang="en-US"/>
+            <a:endParaRPr lang="en-US" dirty="0"/>
           </a:p>
         </p:txBody>
       </p:sp>
@@ -2150,7 +2150,7 @@
               <a:rPr lang="en-US" smtClean="0"/>
               <a:t>‹nº›</a:t>
             </a:fld>
-            <a:endParaRPr lang="en-US"/>
+            <a:endParaRPr lang="en-US" dirty="0"/>
           </a:p>
         </p:txBody>
       </p:sp>
@@ -2413,9 +2413,9 @@
           <a:p>
             <a:fld id="{A1547011-1FFC-4EF8-9A2E-53B4AD2ADBD4}" type="datetime1">
               <a:rPr lang="en-US" smtClean="0"/>
-              <a:t>10/26/2025</a:t>
+              <a:t>10/27/2025</a:t>
             </a:fld>
-            <a:endParaRPr lang="en-US"/>
+            <a:endParaRPr lang="en-US" dirty="0"/>
           </a:p>
         </p:txBody>
       </p:sp>
@@ -2440,7 +2440,7 @@
           <a:bodyPr/>
           <a:lstStyle/>
           <a:p>
-            <a:endParaRPr lang="en-US"/>
+            <a:endParaRPr lang="en-US" dirty="0"/>
           </a:p>
         </p:txBody>
       </p:sp>
@@ -2469,7 +2469,7 @@
               <a:rPr lang="en-US" smtClean="0"/>
               <a:t>‹nº›</a:t>
             </a:fld>
-            <a:endParaRPr lang="en-US"/>
+            <a:endParaRPr lang="en-US" dirty="0"/>
           </a:p>
         </p:txBody>
       </p:sp>
@@ -2605,10 +2605,9 @@
           </a:lstStyle>
           <a:p>
             <a:r>
-              <a:rPr lang="en-US"/>
+              <a:rPr lang="en-US" dirty="0"/>
               <a:t>Click icon to add picture</a:t>
             </a:r>
-            <a:endParaRPr lang="en-US" dirty="0"/>
           </a:p>
         </p:txBody>
       </p:sp>
@@ -2708,9 +2707,9 @@
           <a:p>
             <a:fld id="{9562EB47-45B4-4EF5-A743-B4885DD2F060}" type="datetime1">
               <a:rPr lang="en-US" smtClean="0"/>
-              <a:t>10/26/2025</a:t>
+              <a:t>10/27/2025</a:t>
             </a:fld>
-            <a:endParaRPr lang="en-US"/>
+            <a:endParaRPr lang="en-US" dirty="0"/>
           </a:p>
         </p:txBody>
       </p:sp>
@@ -2735,7 +2734,7 @@
           <a:bodyPr/>
           <a:lstStyle/>
           <a:p>
-            <a:endParaRPr lang="en-US"/>
+            <a:endParaRPr lang="en-US" dirty="0"/>
           </a:p>
         </p:txBody>
       </p:sp>
@@ -2764,7 +2763,7 @@
               <a:rPr lang="en-US" smtClean="0"/>
               <a:t>‹nº›</a:t>
             </a:fld>
-            <a:endParaRPr lang="en-US"/>
+            <a:endParaRPr lang="en-US" dirty="0"/>
           </a:p>
         </p:txBody>
       </p:sp>
@@ -2981,7 +2980,7 @@
             <a:lstStyle/>
             <a:p>
               <a:pPr algn="ctr"/>
-              <a:endParaRPr lang="en-US"/>
+              <a:endParaRPr lang="en-US" dirty="0"/>
             </a:p>
           </p:txBody>
         </p:sp>
@@ -3035,7 +3034,7 @@
             <a:lstStyle/>
             <a:p>
               <a:pPr algn="ctr"/>
-              <a:endParaRPr lang="en-US"/>
+              <a:endParaRPr lang="en-US" dirty="0"/>
             </a:p>
           </p:txBody>
         </p:sp>
@@ -3091,7 +3090,7 @@
             <a:lstStyle/>
             <a:p>
               <a:pPr algn="ctr"/>
-              <a:endParaRPr lang="en-US"/>
+              <a:endParaRPr lang="en-US" dirty="0"/>
             </a:p>
           </p:txBody>
         </p:sp>
@@ -3145,7 +3144,7 @@
             <a:lstStyle/>
             <a:p>
               <a:pPr algn="ctr"/>
-              <a:endParaRPr lang="en-US"/>
+              <a:endParaRPr lang="en-US" dirty="0"/>
             </a:p>
           </p:txBody>
         </p:sp>
@@ -3253,7 +3252,7 @@
             <a:lstStyle/>
             <a:p>
               <a:pPr algn="ctr"/>
-              <a:endParaRPr lang="en-US"/>
+              <a:endParaRPr lang="en-US" dirty="0"/>
             </a:p>
           </p:txBody>
         </p:sp>
@@ -3307,7 +3306,7 @@
             <a:lstStyle/>
             <a:p>
               <a:pPr algn="ctr"/>
-              <a:endParaRPr lang="en-US"/>
+              <a:endParaRPr lang="en-US" dirty="0"/>
             </a:p>
           </p:txBody>
         </p:sp>
@@ -3359,7 +3358,7 @@
             <a:lstStyle/>
             <a:p>
               <a:pPr algn="ctr"/>
-              <a:endParaRPr lang="en-US"/>
+              <a:endParaRPr lang="en-US" dirty="0"/>
             </a:p>
           </p:txBody>
         </p:sp>
@@ -3469,7 +3468,7 @@
             <a:lstStyle/>
             <a:p>
               <a:pPr algn="ctr"/>
-              <a:endParaRPr lang="en-US"/>
+              <a:endParaRPr lang="en-US" dirty="0"/>
             </a:p>
           </p:txBody>
         </p:sp>
@@ -3922,7 +3921,7 @@
             <a:lstStyle/>
             <a:p>
               <a:pPr algn="ctr"/>
-              <a:endParaRPr lang="en-US"/>
+              <a:endParaRPr lang="en-US" dirty="0"/>
             </a:p>
           </p:txBody>
         </p:sp>
@@ -4093,7 +4092,7 @@
           <a:p>
             <a:fld id="{4A8D24A4-5FEC-4062-8995-EB21925B3B40}" type="datetime1">
               <a:rPr lang="en-US" smtClean="0"/>
-              <a:t>10/26/2025</a:t>
+              <a:t>10/27/2025</a:t>
             </a:fld>
             <a:endParaRPr lang="en-US" sz="1000" dirty="0"/>
           </a:p>
@@ -4138,7 +4137,7 @@
             </a:lvl1pPr>
           </a:lstStyle>
           <a:p>
-            <a:endParaRPr lang="en-US" sz="1000"/>
+            <a:endParaRPr lang="en-US" sz="1000" dirty="0"/>
           </a:p>
         </p:txBody>
       </p:sp>
@@ -4712,7 +4711,7 @@
           <a:lstStyle/>
           <a:p>
             <a:pPr algn="ctr"/>
-            <a:endParaRPr lang="en-US"/>
+            <a:endParaRPr lang="en-US" dirty="0"/>
           </a:p>
         </p:txBody>
       </p:sp>
@@ -4775,7 +4774,7 @@
           <a:lstStyle/>
           <a:p>
             <a:pPr algn="ctr"/>
-            <a:endParaRPr lang="en-US" sz="900">
+            <a:endParaRPr lang="en-US" sz="900" dirty="0">
               <a:solidFill>
                 <a:schemeClr val="bg1"/>
               </a:solidFill>
@@ -4907,7 +4906,7 @@
             <a:lstStyle/>
             <a:p>
               <a:pPr algn="ctr"/>
-              <a:endParaRPr lang="en-US"/>
+              <a:endParaRPr lang="en-US" dirty="0"/>
             </a:p>
           </p:txBody>
         </p:sp>
@@ -4971,7 +4970,7 @@
             <a:lstStyle/>
             <a:p>
               <a:pPr algn="ctr"/>
-              <a:endParaRPr lang="en-US"/>
+              <a:endParaRPr lang="en-US" dirty="0"/>
             </a:p>
           </p:txBody>
         </p:sp>
@@ -5036,7 +5035,7 @@
             <a:lstStyle/>
             <a:p>
               <a:pPr algn="ctr"/>
-              <a:endParaRPr lang="en-US"/>
+              <a:endParaRPr lang="en-US" dirty="0"/>
             </a:p>
           </p:txBody>
         </p:sp>
@@ -5097,7 +5096,7 @@
             <a:lstStyle/>
             <a:p>
               <a:pPr algn="ctr"/>
-              <a:endParaRPr lang="en-US"/>
+              <a:endParaRPr lang="en-US" dirty="0"/>
             </a:p>
           </p:txBody>
         </p:sp>
@@ -5158,7 +5157,7 @@
             <a:lstStyle/>
             <a:p>
               <a:pPr algn="ctr"/>
-              <a:endParaRPr lang="en-US"/>
+              <a:endParaRPr lang="en-US" dirty="0"/>
             </a:p>
           </p:txBody>
         </p:sp>
@@ -5219,7 +5218,7 @@
             <a:lstStyle/>
             <a:p>
               <a:pPr algn="ctr"/>
-              <a:endParaRPr lang="en-US"/>
+              <a:endParaRPr lang="en-US" dirty="0"/>
             </a:p>
           </p:txBody>
         </p:sp>
@@ -5283,7 +5282,7 @@
             <a:lstStyle/>
             <a:p>
               <a:pPr algn="ctr"/>
-              <a:endParaRPr lang="en-US"/>
+              <a:endParaRPr lang="en-US" dirty="0"/>
             </a:p>
           </p:txBody>
         </p:sp>
@@ -5344,7 +5343,7 @@
             <a:lstStyle/>
             <a:p>
               <a:pPr algn="ctr"/>
-              <a:endParaRPr lang="en-US"/>
+              <a:endParaRPr lang="en-US" dirty="0"/>
             </a:p>
           </p:txBody>
         </p:sp>
@@ -5380,7 +5379,7 @@
               <a:t>Teste </a:t>
             </a:r>
             <a:r>
-              <a:rPr lang="de-DE" dirty="0" err="1">
+              <a:rPr lang="de-DE" dirty="0">
                 <a:solidFill>
                   <a:srgbClr val="FFFFFF"/>
                 </a:solidFill>
@@ -5557,7 +5556,7 @@
           <a:lstStyle/>
           <a:p>
             <a:pPr algn="ctr"/>
-            <a:endParaRPr lang="en-US"/>
+            <a:endParaRPr lang="en-US" dirty="0"/>
           </a:p>
         </p:txBody>
       </p:sp>
@@ -5620,7 +5619,7 @@
           <a:lstStyle/>
           <a:p>
             <a:pPr algn="ctr"/>
-            <a:endParaRPr lang="en-US" sz="900">
+            <a:endParaRPr lang="en-US" sz="900" dirty="0">
               <a:solidFill>
                 <a:schemeClr val="bg1"/>
               </a:solidFill>
@@ -5752,7 +5751,7 @@
             <a:lstStyle/>
             <a:p>
               <a:pPr algn="ctr"/>
-              <a:endParaRPr lang="en-US"/>
+              <a:endParaRPr lang="en-US" dirty="0"/>
             </a:p>
           </p:txBody>
         </p:sp>
@@ -5816,7 +5815,7 @@
             <a:lstStyle/>
             <a:p>
               <a:pPr algn="ctr"/>
-              <a:endParaRPr lang="en-US"/>
+              <a:endParaRPr lang="en-US" dirty="0"/>
             </a:p>
           </p:txBody>
         </p:sp>
@@ -5881,7 +5880,7 @@
             <a:lstStyle/>
             <a:p>
               <a:pPr algn="ctr"/>
-              <a:endParaRPr lang="en-US"/>
+              <a:endParaRPr lang="en-US" dirty="0"/>
             </a:p>
           </p:txBody>
         </p:sp>
@@ -5942,7 +5941,7 @@
             <a:lstStyle/>
             <a:p>
               <a:pPr algn="ctr"/>
-              <a:endParaRPr lang="en-US"/>
+              <a:endParaRPr lang="en-US" dirty="0"/>
             </a:p>
           </p:txBody>
         </p:sp>
@@ -6003,7 +6002,7 @@
             <a:lstStyle/>
             <a:p>
               <a:pPr algn="ctr"/>
-              <a:endParaRPr lang="en-US"/>
+              <a:endParaRPr lang="en-US" dirty="0"/>
             </a:p>
           </p:txBody>
         </p:sp>
@@ -6064,7 +6063,7 @@
             <a:lstStyle/>
             <a:p>
               <a:pPr algn="ctr"/>
-              <a:endParaRPr lang="en-US"/>
+              <a:endParaRPr lang="en-US" dirty="0"/>
             </a:p>
           </p:txBody>
         </p:sp>
@@ -6128,7 +6127,7 @@
             <a:lstStyle/>
             <a:p>
               <a:pPr algn="ctr"/>
-              <a:endParaRPr lang="en-US"/>
+              <a:endParaRPr lang="en-US" dirty="0"/>
             </a:p>
           </p:txBody>
         </p:sp>
@@ -6189,7 +6188,7 @@
             <a:lstStyle/>
             <a:p>
               <a:pPr algn="ctr"/>
-              <a:endParaRPr lang="en-US"/>
+              <a:endParaRPr lang="en-US" dirty="0"/>
             </a:p>
           </p:txBody>
         </p:sp>
@@ -6288,902 +6287,58 @@
           <a:lstStyle/>
           <a:p>
             <a:r>
-              <a:rPr lang="de-DE" dirty="0">
+              <a:rPr lang="pt-BR" dirty="0">
                 <a:solidFill>
                   <a:schemeClr val="bg1"/>
                 </a:solidFill>
-                <a:ea typeface="+mn-lt"/>
-                <a:cs typeface="+mn-lt"/>
               </a:rPr>
-              <a:t>Os </a:t>
-            </a:r>
-            <a:r>
-              <a:rPr lang="de-DE" dirty="0" err="1">
+              <a:t>Os testes de estresse avaliam como o corpo reage a situações de pressão e tensão.</a:t>
+            </a:r>
+            <a:br>
+              <a:rPr lang="pt-BR" dirty="0">
                 <a:solidFill>
                   <a:schemeClr val="bg1"/>
                 </a:solidFill>
-                <a:ea typeface="+mn-lt"/>
-                <a:cs typeface="+mn-lt"/>
               </a:rPr>
-              <a:t>testes</a:t>
-            </a:r>
-            <a:r>
-              <a:rPr lang="de-DE" dirty="0">
+            </a:br>
+            <a:r>
+              <a:rPr lang="pt-BR" dirty="0">
                 <a:solidFill>
                   <a:schemeClr val="bg1"/>
                 </a:solidFill>
-                <a:ea typeface="+mn-lt"/>
-                <a:cs typeface="+mn-lt"/>
               </a:rPr>
-              <a:t> de </a:t>
-            </a:r>
-            <a:r>
-              <a:rPr lang="de-DE" dirty="0" err="1">
+              <a:t>Eles simulam condições que causam estresse físico ou emocional.</a:t>
+            </a:r>
+            <a:br>
+              <a:rPr lang="pt-BR" dirty="0">
                 <a:solidFill>
                   <a:schemeClr val="bg1"/>
                 </a:solidFill>
-                <a:ea typeface="+mn-lt"/>
-                <a:cs typeface="+mn-lt"/>
               </a:rPr>
-              <a:t>estresse</a:t>
-            </a:r>
-            <a:r>
-              <a:rPr lang="de-DE" dirty="0">
+            </a:br>
+            <a:r>
+              <a:rPr lang="pt-BR" dirty="0">
                 <a:solidFill>
                   <a:schemeClr val="bg1"/>
                 </a:solidFill>
-                <a:ea typeface="+mn-lt"/>
-                <a:cs typeface="+mn-lt"/>
               </a:rPr>
-              <a:t> </a:t>
-            </a:r>
-            <a:r>
-              <a:rPr lang="de-DE" dirty="0" err="1">
+              <a:t>São usados em clínicas e pesquisas para observar essas reações.</a:t>
+            </a:r>
+            <a:br>
+              <a:rPr lang="pt-BR" dirty="0">
                 <a:solidFill>
                   <a:schemeClr val="bg1"/>
                 </a:solidFill>
-                <a:ea typeface="+mn-lt"/>
-                <a:cs typeface="+mn-lt"/>
               </a:rPr>
-              <a:t>são</a:t>
-            </a:r>
-            <a:r>
-              <a:rPr lang="de-DE" dirty="0">
+            </a:br>
+            <a:r>
+              <a:rPr lang="pt-BR" dirty="0">
                 <a:solidFill>
                   <a:schemeClr val="bg1"/>
                 </a:solidFill>
-                <a:ea typeface="+mn-lt"/>
-                <a:cs typeface="+mn-lt"/>
               </a:rPr>
-              <a:t> </a:t>
-            </a:r>
-            <a:r>
-              <a:rPr lang="de-DE" dirty="0" err="1">
-                <a:solidFill>
-                  <a:schemeClr val="bg1"/>
-                </a:solidFill>
-                <a:ea typeface="+mn-lt"/>
-                <a:cs typeface="+mn-lt"/>
-              </a:rPr>
-              <a:t>avaliações</a:t>
-            </a:r>
-            <a:r>
-              <a:rPr lang="de-DE" dirty="0">
-                <a:solidFill>
-                  <a:schemeClr val="bg1"/>
-                </a:solidFill>
-                <a:ea typeface="+mn-lt"/>
-                <a:cs typeface="+mn-lt"/>
-              </a:rPr>
-              <a:t> </a:t>
-            </a:r>
-            <a:r>
-              <a:rPr lang="de-DE" dirty="0" err="1">
-                <a:solidFill>
-                  <a:schemeClr val="bg1"/>
-                </a:solidFill>
-                <a:ea typeface="+mn-lt"/>
-                <a:cs typeface="+mn-lt"/>
-              </a:rPr>
-              <a:t>projetadas</a:t>
-            </a:r>
-            <a:r>
-              <a:rPr lang="de-DE" dirty="0">
-                <a:solidFill>
-                  <a:schemeClr val="bg1"/>
-                </a:solidFill>
-                <a:ea typeface="+mn-lt"/>
-                <a:cs typeface="+mn-lt"/>
-              </a:rPr>
-              <a:t> </a:t>
-            </a:r>
-            <a:r>
-              <a:rPr lang="de-DE" dirty="0" err="1">
-                <a:solidFill>
-                  <a:schemeClr val="bg1"/>
-                </a:solidFill>
-                <a:ea typeface="+mn-lt"/>
-                <a:cs typeface="+mn-lt"/>
-              </a:rPr>
-              <a:t>para</a:t>
-            </a:r>
-            <a:r>
-              <a:rPr lang="de-DE" dirty="0">
-                <a:solidFill>
-                  <a:schemeClr val="bg1"/>
-                </a:solidFill>
-                <a:ea typeface="+mn-lt"/>
-                <a:cs typeface="+mn-lt"/>
-              </a:rPr>
-              <a:t> </a:t>
-            </a:r>
-            <a:r>
-              <a:rPr lang="de-DE" dirty="0" err="1">
-                <a:solidFill>
-                  <a:schemeClr val="bg1"/>
-                </a:solidFill>
-                <a:ea typeface="+mn-lt"/>
-                <a:cs typeface="+mn-lt"/>
-              </a:rPr>
-              <a:t>medir</a:t>
-            </a:r>
-            <a:r>
-              <a:rPr lang="de-DE" dirty="0">
-                <a:solidFill>
-                  <a:schemeClr val="bg1"/>
-                </a:solidFill>
-                <a:ea typeface="+mn-lt"/>
-                <a:cs typeface="+mn-lt"/>
-              </a:rPr>
-              <a:t> a </a:t>
-            </a:r>
-            <a:r>
-              <a:rPr lang="de-DE" dirty="0" err="1">
-                <a:solidFill>
-                  <a:schemeClr val="bg1"/>
-                </a:solidFill>
-                <a:ea typeface="+mn-lt"/>
-                <a:cs typeface="+mn-lt"/>
-              </a:rPr>
-              <a:t>resposta</a:t>
-            </a:r>
-            <a:r>
-              <a:rPr lang="de-DE" dirty="0">
-                <a:solidFill>
-                  <a:schemeClr val="bg1"/>
-                </a:solidFill>
-                <a:ea typeface="+mn-lt"/>
-                <a:cs typeface="+mn-lt"/>
-              </a:rPr>
-              <a:t> do </a:t>
-            </a:r>
-            <a:r>
-              <a:rPr lang="de-DE" dirty="0" err="1">
-                <a:solidFill>
-                  <a:schemeClr val="bg1"/>
-                </a:solidFill>
-                <a:ea typeface="+mn-lt"/>
-                <a:cs typeface="+mn-lt"/>
-              </a:rPr>
-              <a:t>corpo</a:t>
-            </a:r>
-            <a:r>
-              <a:rPr lang="de-DE" dirty="0">
-                <a:solidFill>
-                  <a:schemeClr val="bg1"/>
-                </a:solidFill>
-                <a:ea typeface="+mn-lt"/>
-                <a:cs typeface="+mn-lt"/>
-              </a:rPr>
-              <a:t> a </a:t>
-            </a:r>
-            <a:r>
-              <a:rPr lang="de-DE" dirty="0" err="1">
-                <a:solidFill>
-                  <a:schemeClr val="bg1"/>
-                </a:solidFill>
-                <a:ea typeface="+mn-lt"/>
-                <a:cs typeface="+mn-lt"/>
-              </a:rPr>
-              <a:t>situações</a:t>
-            </a:r>
-            <a:r>
-              <a:rPr lang="de-DE" dirty="0">
-                <a:solidFill>
-                  <a:schemeClr val="bg1"/>
-                </a:solidFill>
-                <a:ea typeface="+mn-lt"/>
-                <a:cs typeface="+mn-lt"/>
-              </a:rPr>
-              <a:t> de </a:t>
-            </a:r>
-            <a:r>
-              <a:rPr lang="de-DE" dirty="0" err="1">
-                <a:solidFill>
-                  <a:schemeClr val="bg1"/>
-                </a:solidFill>
-                <a:ea typeface="+mn-lt"/>
-                <a:cs typeface="+mn-lt"/>
-              </a:rPr>
-              <a:t>pressão</a:t>
-            </a:r>
-            <a:r>
-              <a:rPr lang="de-DE" dirty="0">
-                <a:solidFill>
-                  <a:schemeClr val="bg1"/>
-                </a:solidFill>
-                <a:ea typeface="+mn-lt"/>
-                <a:cs typeface="+mn-lt"/>
-              </a:rPr>
-              <a:t> e </a:t>
-            </a:r>
-            <a:r>
-              <a:rPr lang="de-DE" dirty="0" err="1">
-                <a:solidFill>
-                  <a:schemeClr val="bg1"/>
-                </a:solidFill>
-                <a:ea typeface="+mn-lt"/>
-                <a:cs typeface="+mn-lt"/>
-              </a:rPr>
-              <a:t>tensão</a:t>
-            </a:r>
-            <a:r>
-              <a:rPr lang="de-DE" dirty="0">
-                <a:solidFill>
-                  <a:schemeClr val="bg1"/>
-                </a:solidFill>
-                <a:ea typeface="+mn-lt"/>
-                <a:cs typeface="+mn-lt"/>
-              </a:rPr>
-              <a:t>, </a:t>
-            </a:r>
-            <a:r>
-              <a:rPr lang="de-DE" dirty="0" err="1">
-                <a:solidFill>
-                  <a:schemeClr val="bg1"/>
-                </a:solidFill>
-                <a:ea typeface="+mn-lt"/>
-                <a:cs typeface="+mn-lt"/>
-              </a:rPr>
-              <a:t>simulando</a:t>
-            </a:r>
-            <a:r>
-              <a:rPr lang="de-DE" dirty="0">
-                <a:solidFill>
-                  <a:schemeClr val="bg1"/>
-                </a:solidFill>
-                <a:ea typeface="+mn-lt"/>
-                <a:cs typeface="+mn-lt"/>
-              </a:rPr>
-              <a:t> </a:t>
-            </a:r>
-            <a:r>
-              <a:rPr lang="de-DE" dirty="0" err="1">
-                <a:solidFill>
-                  <a:schemeClr val="bg1"/>
-                </a:solidFill>
-                <a:ea typeface="+mn-lt"/>
-                <a:cs typeface="+mn-lt"/>
-              </a:rPr>
-              <a:t>condições</a:t>
-            </a:r>
-            <a:r>
-              <a:rPr lang="de-DE" dirty="0">
-                <a:solidFill>
-                  <a:schemeClr val="bg1"/>
-                </a:solidFill>
-                <a:ea typeface="+mn-lt"/>
-                <a:cs typeface="+mn-lt"/>
-              </a:rPr>
-              <a:t> </a:t>
-            </a:r>
-            <a:r>
-              <a:rPr lang="de-DE" dirty="0" err="1">
-                <a:solidFill>
-                  <a:schemeClr val="bg1"/>
-                </a:solidFill>
-                <a:ea typeface="+mn-lt"/>
-                <a:cs typeface="+mn-lt"/>
-              </a:rPr>
-              <a:t>que</a:t>
-            </a:r>
-            <a:r>
-              <a:rPr lang="de-DE" dirty="0">
-                <a:solidFill>
-                  <a:schemeClr val="bg1"/>
-                </a:solidFill>
-                <a:ea typeface="+mn-lt"/>
-                <a:cs typeface="+mn-lt"/>
-              </a:rPr>
-              <a:t> </a:t>
-            </a:r>
-            <a:r>
-              <a:rPr lang="de-DE" dirty="0" err="1">
-                <a:solidFill>
-                  <a:schemeClr val="bg1"/>
-                </a:solidFill>
-                <a:ea typeface="+mn-lt"/>
-                <a:cs typeface="+mn-lt"/>
-              </a:rPr>
-              <a:t>podem</a:t>
-            </a:r>
-            <a:r>
-              <a:rPr lang="de-DE" dirty="0">
-                <a:solidFill>
-                  <a:schemeClr val="bg1"/>
-                </a:solidFill>
-                <a:ea typeface="+mn-lt"/>
-                <a:cs typeface="+mn-lt"/>
-              </a:rPr>
-              <a:t> </a:t>
-            </a:r>
-            <a:r>
-              <a:rPr lang="de-DE" dirty="0" err="1">
-                <a:solidFill>
-                  <a:schemeClr val="bg1"/>
-                </a:solidFill>
-                <a:ea typeface="+mn-lt"/>
-                <a:cs typeface="+mn-lt"/>
-              </a:rPr>
-              <a:t>causar</a:t>
-            </a:r>
-            <a:r>
-              <a:rPr lang="de-DE" dirty="0">
-                <a:solidFill>
-                  <a:schemeClr val="bg1"/>
-                </a:solidFill>
-                <a:ea typeface="+mn-lt"/>
-                <a:cs typeface="+mn-lt"/>
-              </a:rPr>
-              <a:t> </a:t>
-            </a:r>
-            <a:r>
-              <a:rPr lang="de-DE" dirty="0" err="1">
-                <a:solidFill>
-                  <a:schemeClr val="bg1"/>
-                </a:solidFill>
-                <a:ea typeface="+mn-lt"/>
-                <a:cs typeface="+mn-lt"/>
-              </a:rPr>
-              <a:t>estresse</a:t>
-            </a:r>
-            <a:r>
-              <a:rPr lang="de-DE" dirty="0">
-                <a:solidFill>
-                  <a:schemeClr val="bg1"/>
-                </a:solidFill>
-                <a:ea typeface="+mn-lt"/>
-                <a:cs typeface="+mn-lt"/>
-              </a:rPr>
-              <a:t> </a:t>
-            </a:r>
-            <a:r>
-              <a:rPr lang="de-DE" dirty="0" err="1">
-                <a:solidFill>
-                  <a:schemeClr val="bg1"/>
-                </a:solidFill>
-                <a:ea typeface="+mn-lt"/>
-                <a:cs typeface="+mn-lt"/>
-              </a:rPr>
-              <a:t>físico</a:t>
-            </a:r>
-            <a:r>
-              <a:rPr lang="de-DE" dirty="0">
-                <a:solidFill>
-                  <a:schemeClr val="bg1"/>
-                </a:solidFill>
-                <a:ea typeface="+mn-lt"/>
-                <a:cs typeface="+mn-lt"/>
-              </a:rPr>
-              <a:t> </a:t>
-            </a:r>
-            <a:r>
-              <a:rPr lang="de-DE" dirty="0" err="1">
-                <a:solidFill>
-                  <a:schemeClr val="bg1"/>
-                </a:solidFill>
-                <a:ea typeface="+mn-lt"/>
-                <a:cs typeface="+mn-lt"/>
-              </a:rPr>
-              <a:t>ou</a:t>
-            </a:r>
-            <a:r>
-              <a:rPr lang="de-DE" dirty="0">
-                <a:solidFill>
-                  <a:schemeClr val="bg1"/>
-                </a:solidFill>
-                <a:ea typeface="+mn-lt"/>
-                <a:cs typeface="+mn-lt"/>
-              </a:rPr>
-              <a:t> </a:t>
-            </a:r>
-            <a:r>
-              <a:rPr lang="de-DE" dirty="0" err="1">
-                <a:solidFill>
-                  <a:schemeClr val="bg1"/>
-                </a:solidFill>
-                <a:ea typeface="+mn-lt"/>
-                <a:cs typeface="+mn-lt"/>
-              </a:rPr>
-              <a:t>emocional</a:t>
-            </a:r>
-            <a:r>
-              <a:rPr lang="de-DE" dirty="0">
-                <a:solidFill>
-                  <a:schemeClr val="bg1"/>
-                </a:solidFill>
-                <a:ea typeface="+mn-lt"/>
-                <a:cs typeface="+mn-lt"/>
-              </a:rPr>
-              <a:t>. </a:t>
-            </a:r>
-            <a:r>
-              <a:rPr lang="de-DE" dirty="0" err="1">
-                <a:solidFill>
-                  <a:schemeClr val="bg1"/>
-                </a:solidFill>
-                <a:ea typeface="+mn-lt"/>
-                <a:cs typeface="+mn-lt"/>
-              </a:rPr>
-              <a:t>Esses</a:t>
-            </a:r>
-            <a:r>
-              <a:rPr lang="de-DE" dirty="0">
-                <a:solidFill>
-                  <a:schemeClr val="bg1"/>
-                </a:solidFill>
-                <a:ea typeface="+mn-lt"/>
-                <a:cs typeface="+mn-lt"/>
-              </a:rPr>
-              <a:t> </a:t>
-            </a:r>
-            <a:r>
-              <a:rPr lang="de-DE" dirty="0" err="1">
-                <a:solidFill>
-                  <a:schemeClr val="bg1"/>
-                </a:solidFill>
-                <a:ea typeface="+mn-lt"/>
-                <a:cs typeface="+mn-lt"/>
-              </a:rPr>
-              <a:t>testes</a:t>
-            </a:r>
-            <a:r>
-              <a:rPr lang="de-DE" dirty="0">
-                <a:solidFill>
-                  <a:schemeClr val="bg1"/>
-                </a:solidFill>
-                <a:ea typeface="+mn-lt"/>
-                <a:cs typeface="+mn-lt"/>
-              </a:rPr>
-              <a:t> </a:t>
-            </a:r>
-            <a:r>
-              <a:rPr lang="de-DE" dirty="0" err="1">
-                <a:solidFill>
-                  <a:schemeClr val="bg1"/>
-                </a:solidFill>
-                <a:ea typeface="+mn-lt"/>
-                <a:cs typeface="+mn-lt"/>
-              </a:rPr>
-              <a:t>são</a:t>
-            </a:r>
-            <a:r>
-              <a:rPr lang="de-DE" dirty="0">
-                <a:solidFill>
-                  <a:schemeClr val="bg1"/>
-                </a:solidFill>
-                <a:ea typeface="+mn-lt"/>
-                <a:cs typeface="+mn-lt"/>
-              </a:rPr>
-              <a:t> </a:t>
-            </a:r>
-            <a:r>
-              <a:rPr lang="de-DE" dirty="0" err="1">
-                <a:solidFill>
-                  <a:schemeClr val="bg1"/>
-                </a:solidFill>
-                <a:ea typeface="+mn-lt"/>
-                <a:cs typeface="+mn-lt"/>
-              </a:rPr>
-              <a:t>amplamente</a:t>
-            </a:r>
-            <a:r>
-              <a:rPr lang="de-DE" dirty="0">
-                <a:solidFill>
-                  <a:schemeClr val="bg1"/>
-                </a:solidFill>
-                <a:ea typeface="+mn-lt"/>
-                <a:cs typeface="+mn-lt"/>
-              </a:rPr>
-              <a:t> </a:t>
-            </a:r>
-            <a:r>
-              <a:rPr lang="de-DE" dirty="0" err="1">
-                <a:solidFill>
-                  <a:schemeClr val="bg1"/>
-                </a:solidFill>
-                <a:ea typeface="+mn-lt"/>
-                <a:cs typeface="+mn-lt"/>
-              </a:rPr>
-              <a:t>utilizados</a:t>
-            </a:r>
-            <a:r>
-              <a:rPr lang="de-DE" dirty="0">
-                <a:solidFill>
-                  <a:schemeClr val="bg1"/>
-                </a:solidFill>
-                <a:ea typeface="+mn-lt"/>
-                <a:cs typeface="+mn-lt"/>
-              </a:rPr>
-              <a:t> </a:t>
-            </a:r>
-            <a:r>
-              <a:rPr lang="de-DE" dirty="0" err="1">
-                <a:solidFill>
-                  <a:schemeClr val="bg1"/>
-                </a:solidFill>
-                <a:ea typeface="+mn-lt"/>
-                <a:cs typeface="+mn-lt"/>
-              </a:rPr>
-              <a:t>em</a:t>
-            </a:r>
-            <a:r>
-              <a:rPr lang="de-DE" dirty="0">
-                <a:solidFill>
-                  <a:schemeClr val="bg1"/>
-                </a:solidFill>
-                <a:ea typeface="+mn-lt"/>
-                <a:cs typeface="+mn-lt"/>
-              </a:rPr>
-              <a:t> ambientes </a:t>
-            </a:r>
-            <a:r>
-              <a:rPr lang="de-DE" dirty="0" err="1">
-                <a:solidFill>
-                  <a:schemeClr val="bg1"/>
-                </a:solidFill>
-                <a:ea typeface="+mn-lt"/>
-                <a:cs typeface="+mn-lt"/>
-              </a:rPr>
-              <a:t>clínicos</a:t>
-            </a:r>
-            <a:r>
-              <a:rPr lang="de-DE" dirty="0">
-                <a:solidFill>
-                  <a:schemeClr val="bg1"/>
-                </a:solidFill>
-                <a:ea typeface="+mn-lt"/>
-                <a:cs typeface="+mn-lt"/>
-              </a:rPr>
-              <a:t> e de </a:t>
-            </a:r>
-            <a:r>
-              <a:rPr lang="de-DE" dirty="0" err="1">
-                <a:solidFill>
-                  <a:schemeClr val="bg1"/>
-                </a:solidFill>
-                <a:ea typeface="+mn-lt"/>
-                <a:cs typeface="+mn-lt"/>
-              </a:rPr>
-              <a:t>pesquisa</a:t>
-            </a:r>
-            <a:r>
-              <a:rPr lang="de-DE" dirty="0">
-                <a:solidFill>
-                  <a:schemeClr val="bg1"/>
-                </a:solidFill>
-                <a:ea typeface="+mn-lt"/>
-                <a:cs typeface="+mn-lt"/>
-              </a:rPr>
-              <a:t> </a:t>
-            </a:r>
-            <a:r>
-              <a:rPr lang="de-DE" dirty="0" err="1">
-                <a:solidFill>
-                  <a:schemeClr val="bg1"/>
-                </a:solidFill>
-                <a:ea typeface="+mn-lt"/>
-                <a:cs typeface="+mn-lt"/>
-              </a:rPr>
-              <a:t>para</a:t>
-            </a:r>
-            <a:r>
-              <a:rPr lang="de-DE" dirty="0">
-                <a:solidFill>
-                  <a:schemeClr val="bg1"/>
-                </a:solidFill>
-                <a:ea typeface="+mn-lt"/>
-                <a:cs typeface="+mn-lt"/>
-              </a:rPr>
-              <a:t> entender </a:t>
-            </a:r>
-            <a:r>
-              <a:rPr lang="de-DE" dirty="0" err="1">
-                <a:solidFill>
-                  <a:schemeClr val="bg1"/>
-                </a:solidFill>
-                <a:ea typeface="+mn-lt"/>
-                <a:cs typeface="+mn-lt"/>
-              </a:rPr>
-              <a:t>como</a:t>
-            </a:r>
-            <a:r>
-              <a:rPr lang="de-DE" dirty="0">
-                <a:solidFill>
-                  <a:schemeClr val="bg1"/>
-                </a:solidFill>
-                <a:ea typeface="+mn-lt"/>
-                <a:cs typeface="+mn-lt"/>
-              </a:rPr>
-              <a:t> o </a:t>
-            </a:r>
-            <a:r>
-              <a:rPr lang="de-DE" dirty="0" err="1">
-                <a:solidFill>
-                  <a:schemeClr val="bg1"/>
-                </a:solidFill>
-                <a:ea typeface="+mn-lt"/>
-                <a:cs typeface="+mn-lt"/>
-              </a:rPr>
-              <a:t>organismo</a:t>
-            </a:r>
-            <a:r>
-              <a:rPr lang="de-DE" dirty="0">
-                <a:solidFill>
-                  <a:schemeClr val="bg1"/>
-                </a:solidFill>
-                <a:ea typeface="+mn-lt"/>
-                <a:cs typeface="+mn-lt"/>
-              </a:rPr>
-              <a:t> </a:t>
-            </a:r>
-            <a:r>
-              <a:rPr lang="de-DE" dirty="0" err="1">
-                <a:solidFill>
-                  <a:schemeClr val="bg1"/>
-                </a:solidFill>
-                <a:ea typeface="+mn-lt"/>
-                <a:cs typeface="+mn-lt"/>
-              </a:rPr>
-              <a:t>reage</a:t>
-            </a:r>
-            <a:r>
-              <a:rPr lang="de-DE" dirty="0">
-                <a:solidFill>
-                  <a:schemeClr val="bg1"/>
-                </a:solidFill>
-                <a:ea typeface="+mn-lt"/>
-                <a:cs typeface="+mn-lt"/>
-              </a:rPr>
-              <a:t> a </a:t>
-            </a:r>
-            <a:r>
-              <a:rPr lang="de-DE" dirty="0" err="1">
-                <a:solidFill>
-                  <a:schemeClr val="bg1"/>
-                </a:solidFill>
-                <a:ea typeface="+mn-lt"/>
-                <a:cs typeface="+mn-lt"/>
-              </a:rPr>
-              <a:t>diferentes</a:t>
-            </a:r>
-            <a:r>
-              <a:rPr lang="de-DE" dirty="0">
-                <a:solidFill>
-                  <a:schemeClr val="bg1"/>
-                </a:solidFill>
-                <a:ea typeface="+mn-lt"/>
-                <a:cs typeface="+mn-lt"/>
-              </a:rPr>
-              <a:t> </a:t>
-            </a:r>
-            <a:r>
-              <a:rPr lang="de-DE" dirty="0" err="1">
-                <a:solidFill>
-                  <a:schemeClr val="bg1"/>
-                </a:solidFill>
-                <a:ea typeface="+mn-lt"/>
-                <a:cs typeface="+mn-lt"/>
-              </a:rPr>
-              <a:t>níveis</a:t>
-            </a:r>
-            <a:r>
-              <a:rPr lang="de-DE" dirty="0">
-                <a:solidFill>
-                  <a:schemeClr val="bg1"/>
-                </a:solidFill>
-                <a:ea typeface="+mn-lt"/>
-                <a:cs typeface="+mn-lt"/>
-              </a:rPr>
-              <a:t> de </a:t>
-            </a:r>
-            <a:r>
-              <a:rPr lang="de-DE" dirty="0" err="1">
-                <a:solidFill>
-                  <a:schemeClr val="bg1"/>
-                </a:solidFill>
-                <a:ea typeface="+mn-lt"/>
-                <a:cs typeface="+mn-lt"/>
-              </a:rPr>
-              <a:t>estresse</a:t>
-            </a:r>
-            <a:r>
-              <a:rPr lang="de-DE" dirty="0">
-                <a:solidFill>
-                  <a:schemeClr val="bg1"/>
-                </a:solidFill>
-                <a:ea typeface="+mn-lt"/>
-                <a:cs typeface="+mn-lt"/>
-              </a:rPr>
-              <a:t>, </a:t>
-            </a:r>
-            <a:r>
-              <a:rPr lang="de-DE" dirty="0" err="1">
-                <a:solidFill>
-                  <a:schemeClr val="bg1"/>
-                </a:solidFill>
-                <a:ea typeface="+mn-lt"/>
-                <a:cs typeface="+mn-lt"/>
-              </a:rPr>
-              <a:t>permitindo</a:t>
-            </a:r>
-            <a:r>
-              <a:rPr lang="de-DE" dirty="0">
-                <a:solidFill>
-                  <a:schemeClr val="bg1"/>
-                </a:solidFill>
-                <a:ea typeface="+mn-lt"/>
-                <a:cs typeface="+mn-lt"/>
-              </a:rPr>
-              <a:t> a </a:t>
-            </a:r>
-            <a:r>
-              <a:rPr lang="de-DE" dirty="0" err="1">
-                <a:solidFill>
-                  <a:schemeClr val="bg1"/>
-                </a:solidFill>
-                <a:ea typeface="+mn-lt"/>
-                <a:cs typeface="+mn-lt"/>
-              </a:rPr>
-              <a:t>identificação</a:t>
-            </a:r>
-            <a:r>
-              <a:rPr lang="de-DE" dirty="0">
-                <a:solidFill>
-                  <a:schemeClr val="bg1"/>
-                </a:solidFill>
-                <a:ea typeface="+mn-lt"/>
-                <a:cs typeface="+mn-lt"/>
-              </a:rPr>
-              <a:t> de </a:t>
-            </a:r>
-            <a:r>
-              <a:rPr lang="de-DE" dirty="0" err="1">
-                <a:solidFill>
-                  <a:schemeClr val="bg1"/>
-                </a:solidFill>
-                <a:ea typeface="+mn-lt"/>
-                <a:cs typeface="+mn-lt"/>
-              </a:rPr>
-              <a:t>potenciais</a:t>
-            </a:r>
-            <a:r>
-              <a:rPr lang="de-DE" dirty="0">
-                <a:solidFill>
-                  <a:schemeClr val="bg1"/>
-                </a:solidFill>
-                <a:ea typeface="+mn-lt"/>
-                <a:cs typeface="+mn-lt"/>
-              </a:rPr>
-              <a:t> </a:t>
-            </a:r>
-            <a:r>
-              <a:rPr lang="de-DE" dirty="0" err="1">
-                <a:solidFill>
-                  <a:schemeClr val="bg1"/>
-                </a:solidFill>
-                <a:ea typeface="+mn-lt"/>
-                <a:cs typeface="+mn-lt"/>
-              </a:rPr>
-              <a:t>problemas</a:t>
-            </a:r>
-            <a:r>
-              <a:rPr lang="de-DE" dirty="0">
-                <a:solidFill>
-                  <a:schemeClr val="bg1"/>
-                </a:solidFill>
-                <a:ea typeface="+mn-lt"/>
-                <a:cs typeface="+mn-lt"/>
-              </a:rPr>
-              <a:t> de </a:t>
-            </a:r>
-            <a:r>
-              <a:rPr lang="de-DE" dirty="0" err="1">
-                <a:solidFill>
-                  <a:schemeClr val="bg1"/>
-                </a:solidFill>
-                <a:ea typeface="+mn-lt"/>
-                <a:cs typeface="+mn-lt"/>
-              </a:rPr>
-              <a:t>saúde</a:t>
-            </a:r>
-            <a:r>
-              <a:rPr lang="de-DE" dirty="0">
-                <a:solidFill>
-                  <a:schemeClr val="bg1"/>
-                </a:solidFill>
-                <a:ea typeface="+mn-lt"/>
-                <a:cs typeface="+mn-lt"/>
-              </a:rPr>
-              <a:t> e a </a:t>
-            </a:r>
-            <a:r>
-              <a:rPr lang="de-DE" dirty="0" err="1">
-                <a:solidFill>
-                  <a:schemeClr val="bg1"/>
-                </a:solidFill>
-                <a:ea typeface="+mn-lt"/>
-                <a:cs typeface="+mn-lt"/>
-              </a:rPr>
-              <a:t>eficácia</a:t>
-            </a:r>
-            <a:r>
-              <a:rPr lang="de-DE" dirty="0">
-                <a:solidFill>
-                  <a:schemeClr val="bg1"/>
-                </a:solidFill>
-                <a:ea typeface="+mn-lt"/>
-                <a:cs typeface="+mn-lt"/>
-              </a:rPr>
-              <a:t> de </a:t>
-            </a:r>
-            <a:r>
-              <a:rPr lang="de-DE" dirty="0" err="1">
-                <a:solidFill>
-                  <a:schemeClr val="bg1"/>
-                </a:solidFill>
-                <a:ea typeface="+mn-lt"/>
-                <a:cs typeface="+mn-lt"/>
-              </a:rPr>
-              <a:t>intervenções</a:t>
-            </a:r>
-            <a:r>
-              <a:rPr lang="de-DE" dirty="0">
-                <a:solidFill>
-                  <a:schemeClr val="bg1"/>
-                </a:solidFill>
-                <a:ea typeface="+mn-lt"/>
-                <a:cs typeface="+mn-lt"/>
-              </a:rPr>
-              <a:t> </a:t>
-            </a:r>
-            <a:r>
-              <a:rPr lang="de-DE" dirty="0" err="1">
-                <a:solidFill>
-                  <a:schemeClr val="bg1"/>
-                </a:solidFill>
-                <a:ea typeface="+mn-lt"/>
-                <a:cs typeface="+mn-lt"/>
-              </a:rPr>
-              <a:t>terapêuticas</a:t>
-            </a:r>
-            <a:r>
-              <a:rPr lang="de-DE" dirty="0">
-                <a:solidFill>
-                  <a:schemeClr val="bg1"/>
-                </a:solidFill>
-                <a:ea typeface="+mn-lt"/>
-                <a:cs typeface="+mn-lt"/>
-              </a:rPr>
-              <a:t>.</a:t>
-            </a:r>
-            <a:endParaRPr lang="pt-BR" dirty="0">
-              <a:solidFill>
-                <a:schemeClr val="bg1"/>
-              </a:solidFill>
-            </a:endParaRPr>
-          </a:p>
-          <a:p>
+              <a:t>Ajudam a identificar problemas de saúde e avaliar tratamentos.</a:t>
+            </a:r>
             <a:endParaRPr lang="de-DE" dirty="0">
               <a:solidFill>
                 <a:schemeClr val="bg1"/>
@@ -7294,7 +6449,7 @@
           <a:lstStyle/>
           <a:p>
             <a:pPr algn="ctr"/>
-            <a:endParaRPr lang="en-US"/>
+            <a:endParaRPr lang="en-US" dirty="0"/>
           </a:p>
         </p:txBody>
       </p:sp>
@@ -7357,7 +6512,7 @@
           <a:lstStyle/>
           <a:p>
             <a:pPr algn="ctr"/>
-            <a:endParaRPr lang="en-US" sz="900">
+            <a:endParaRPr lang="en-US" sz="900" dirty="0">
               <a:solidFill>
                 <a:schemeClr val="bg1"/>
               </a:solidFill>
@@ -7489,7 +6644,7 @@
             <a:lstStyle/>
             <a:p>
               <a:pPr algn="ctr"/>
-              <a:endParaRPr lang="en-US"/>
+              <a:endParaRPr lang="en-US" dirty="0"/>
             </a:p>
           </p:txBody>
         </p:sp>
@@ -7553,7 +6708,7 @@
             <a:lstStyle/>
             <a:p>
               <a:pPr algn="ctr"/>
-              <a:endParaRPr lang="en-US"/>
+              <a:endParaRPr lang="en-US" dirty="0"/>
             </a:p>
           </p:txBody>
         </p:sp>
@@ -7618,7 +6773,7 @@
             <a:lstStyle/>
             <a:p>
               <a:pPr algn="ctr"/>
-              <a:endParaRPr lang="en-US"/>
+              <a:endParaRPr lang="en-US" dirty="0"/>
             </a:p>
           </p:txBody>
         </p:sp>
@@ -7679,7 +6834,7 @@
             <a:lstStyle/>
             <a:p>
               <a:pPr algn="ctr"/>
-              <a:endParaRPr lang="en-US"/>
+              <a:endParaRPr lang="en-US" dirty="0"/>
             </a:p>
           </p:txBody>
         </p:sp>
@@ -7740,7 +6895,7 @@
             <a:lstStyle/>
             <a:p>
               <a:pPr algn="ctr"/>
-              <a:endParaRPr lang="en-US"/>
+              <a:endParaRPr lang="en-US" dirty="0"/>
             </a:p>
           </p:txBody>
         </p:sp>
@@ -7801,7 +6956,7 @@
             <a:lstStyle/>
             <a:p>
               <a:pPr algn="ctr"/>
-              <a:endParaRPr lang="en-US"/>
+              <a:endParaRPr lang="en-US" dirty="0"/>
             </a:p>
           </p:txBody>
         </p:sp>
@@ -7865,7 +7020,7 @@
             <a:lstStyle/>
             <a:p>
               <a:pPr algn="ctr"/>
-              <a:endParaRPr lang="en-US"/>
+              <a:endParaRPr lang="en-US" dirty="0"/>
             </a:p>
           </p:txBody>
         </p:sp>
@@ -7926,7 +7081,7 @@
             <a:lstStyle/>
             <a:p>
               <a:pPr algn="ctr"/>
-              <a:endParaRPr lang="en-US"/>
+              <a:endParaRPr lang="en-US" dirty="0"/>
             </a:p>
           </p:txBody>
         </p:sp>
@@ -8011,874 +7166,59 @@
           </a:bodyPr>
           <a:lstStyle/>
           <a:p>
-            <a:endParaRPr lang="pt-BR"/>
-          </a:p>
-          <a:p>
-            <a:r>
-              <a:rPr lang="de-DE" dirty="0" err="1">
+            <a:r>
+              <a:rPr lang="pt-BR" dirty="0">
                 <a:solidFill>
                   <a:schemeClr val="bg1"/>
                 </a:solidFill>
-                <a:ea typeface="+mn-lt"/>
-                <a:cs typeface="+mn-lt"/>
               </a:rPr>
-              <a:t>Existem</a:t>
-            </a:r>
-            <a:r>
-              <a:rPr lang="de-DE" dirty="0">
+              <a:t>Os testes de estresse podem ser físicos ou psicológicos.</a:t>
+            </a:r>
+            <a:br>
+              <a:rPr lang="pt-BR" dirty="0">
                 <a:solidFill>
                   <a:schemeClr val="bg1"/>
                 </a:solidFill>
-                <a:ea typeface="+mn-lt"/>
-                <a:cs typeface="+mn-lt"/>
               </a:rPr>
-              <a:t> </a:t>
-            </a:r>
-            <a:r>
-              <a:rPr lang="de-DE" dirty="0" err="1">
+            </a:br>
+            <a:r>
+              <a:rPr lang="pt-BR" dirty="0">
                 <a:solidFill>
                   <a:schemeClr val="bg1"/>
                 </a:solidFill>
-                <a:ea typeface="+mn-lt"/>
-                <a:cs typeface="+mn-lt"/>
               </a:rPr>
-              <a:t>diversos</a:t>
-            </a:r>
-            <a:r>
-              <a:rPr lang="de-DE" dirty="0">
+              <a:t>Os físicos envolvem esforço controlado, como correr em esteira.</a:t>
+            </a:r>
+            <a:br>
+              <a:rPr lang="pt-BR" dirty="0">
                 <a:solidFill>
                   <a:schemeClr val="bg1"/>
                 </a:solidFill>
-                <a:ea typeface="+mn-lt"/>
-                <a:cs typeface="+mn-lt"/>
               </a:rPr>
-              <a:t> </a:t>
-            </a:r>
-            <a:r>
-              <a:rPr lang="de-DE" dirty="0" err="1">
+            </a:br>
+            <a:r>
+              <a:rPr lang="pt-BR" dirty="0">
                 <a:solidFill>
                   <a:schemeClr val="bg1"/>
                 </a:solidFill>
-                <a:ea typeface="+mn-lt"/>
-                <a:cs typeface="+mn-lt"/>
               </a:rPr>
-              <a:t>tipos</a:t>
-            </a:r>
-            <a:r>
-              <a:rPr lang="de-DE" dirty="0">
+              <a:t>Já os psicológicos avaliam reações emocionais sob pressão.</a:t>
+            </a:r>
+            <a:br>
+              <a:rPr lang="pt-BR" dirty="0">
                 <a:solidFill>
                   <a:schemeClr val="bg1"/>
                 </a:solidFill>
-                <a:ea typeface="+mn-lt"/>
-                <a:cs typeface="+mn-lt"/>
               </a:rPr>
-              <a:t> de </a:t>
-            </a:r>
-            <a:r>
-              <a:rPr lang="de-DE" dirty="0" err="1">
+            </a:br>
+            <a:r>
+              <a:rPr lang="pt-BR" dirty="0">
                 <a:solidFill>
                   <a:schemeClr val="bg1"/>
                 </a:solidFill>
-                <a:ea typeface="+mn-lt"/>
-                <a:cs typeface="+mn-lt"/>
               </a:rPr>
-              <a:t>testes</a:t>
-            </a:r>
-            <a:r>
-              <a:rPr lang="de-DE" dirty="0">
-                <a:solidFill>
-                  <a:schemeClr val="bg1"/>
-                </a:solidFill>
-                <a:ea typeface="+mn-lt"/>
-                <a:cs typeface="+mn-lt"/>
-              </a:rPr>
-              <a:t> de </a:t>
-            </a:r>
-            <a:r>
-              <a:rPr lang="de-DE" dirty="0" err="1">
-                <a:solidFill>
-                  <a:schemeClr val="bg1"/>
-                </a:solidFill>
-                <a:ea typeface="+mn-lt"/>
-                <a:cs typeface="+mn-lt"/>
-              </a:rPr>
-              <a:t>estresse</a:t>
-            </a:r>
-            <a:r>
-              <a:rPr lang="de-DE" dirty="0">
-                <a:solidFill>
-                  <a:schemeClr val="bg1"/>
-                </a:solidFill>
-                <a:ea typeface="+mn-lt"/>
-                <a:cs typeface="+mn-lt"/>
-              </a:rPr>
-              <a:t>, </a:t>
-            </a:r>
-            <a:r>
-              <a:rPr lang="de-DE" dirty="0" err="1">
-                <a:solidFill>
-                  <a:schemeClr val="bg1"/>
-                </a:solidFill>
-                <a:ea typeface="+mn-lt"/>
-                <a:cs typeface="+mn-lt"/>
-              </a:rPr>
-              <a:t>que</a:t>
-            </a:r>
-            <a:r>
-              <a:rPr lang="de-DE" dirty="0">
-                <a:solidFill>
-                  <a:schemeClr val="bg1"/>
-                </a:solidFill>
-                <a:ea typeface="+mn-lt"/>
-                <a:cs typeface="+mn-lt"/>
-              </a:rPr>
-              <a:t> </a:t>
-            </a:r>
-            <a:r>
-              <a:rPr lang="de-DE" dirty="0" err="1">
-                <a:solidFill>
-                  <a:schemeClr val="bg1"/>
-                </a:solidFill>
-                <a:ea typeface="+mn-lt"/>
-                <a:cs typeface="+mn-lt"/>
-              </a:rPr>
-              <a:t>podem</a:t>
-            </a:r>
-            <a:r>
-              <a:rPr lang="de-DE" dirty="0">
-                <a:solidFill>
-                  <a:schemeClr val="bg1"/>
-                </a:solidFill>
-                <a:ea typeface="+mn-lt"/>
-                <a:cs typeface="+mn-lt"/>
-              </a:rPr>
-              <a:t> </a:t>
-            </a:r>
-            <a:r>
-              <a:rPr lang="de-DE" dirty="0" err="1">
-                <a:solidFill>
-                  <a:schemeClr val="bg1"/>
-                </a:solidFill>
-                <a:ea typeface="+mn-lt"/>
-                <a:cs typeface="+mn-lt"/>
-              </a:rPr>
-              <a:t>ser</a:t>
-            </a:r>
-            <a:r>
-              <a:rPr lang="de-DE" dirty="0">
-                <a:solidFill>
-                  <a:schemeClr val="bg1"/>
-                </a:solidFill>
-                <a:ea typeface="+mn-lt"/>
-                <a:cs typeface="+mn-lt"/>
-              </a:rPr>
-              <a:t> </a:t>
-            </a:r>
-            <a:r>
-              <a:rPr lang="de-DE" dirty="0" err="1">
-                <a:solidFill>
-                  <a:schemeClr val="bg1"/>
-                </a:solidFill>
-                <a:ea typeface="+mn-lt"/>
-                <a:cs typeface="+mn-lt"/>
-              </a:rPr>
-              <a:t>classificados</a:t>
-            </a:r>
-            <a:r>
-              <a:rPr lang="de-DE" dirty="0">
-                <a:solidFill>
-                  <a:schemeClr val="bg1"/>
-                </a:solidFill>
-                <a:ea typeface="+mn-lt"/>
-                <a:cs typeface="+mn-lt"/>
-              </a:rPr>
-              <a:t> </a:t>
-            </a:r>
-            <a:r>
-              <a:rPr lang="de-DE" dirty="0" err="1">
-                <a:solidFill>
-                  <a:schemeClr val="bg1"/>
-                </a:solidFill>
-                <a:ea typeface="+mn-lt"/>
-                <a:cs typeface="+mn-lt"/>
-              </a:rPr>
-              <a:t>em</a:t>
-            </a:r>
-            <a:r>
-              <a:rPr lang="de-DE" dirty="0">
-                <a:solidFill>
-                  <a:schemeClr val="bg1"/>
-                </a:solidFill>
-                <a:ea typeface="+mn-lt"/>
-                <a:cs typeface="+mn-lt"/>
-              </a:rPr>
-              <a:t> </a:t>
-            </a:r>
-            <a:r>
-              <a:rPr lang="de-DE" dirty="0" err="1">
-                <a:solidFill>
-                  <a:schemeClr val="bg1"/>
-                </a:solidFill>
-                <a:ea typeface="+mn-lt"/>
-                <a:cs typeface="+mn-lt"/>
-              </a:rPr>
-              <a:t>físicos</a:t>
-            </a:r>
-            <a:r>
-              <a:rPr lang="de-DE" dirty="0">
-                <a:solidFill>
-                  <a:schemeClr val="bg1"/>
-                </a:solidFill>
-                <a:ea typeface="+mn-lt"/>
-                <a:cs typeface="+mn-lt"/>
-              </a:rPr>
-              <a:t> e </a:t>
-            </a:r>
-            <a:r>
-              <a:rPr lang="de-DE" dirty="0" err="1">
-                <a:solidFill>
-                  <a:schemeClr val="bg1"/>
-                </a:solidFill>
-                <a:ea typeface="+mn-lt"/>
-                <a:cs typeface="+mn-lt"/>
-              </a:rPr>
-              <a:t>psicológicos</a:t>
-            </a:r>
-            <a:r>
-              <a:rPr lang="de-DE" dirty="0">
-                <a:solidFill>
-                  <a:schemeClr val="bg1"/>
-                </a:solidFill>
-                <a:ea typeface="+mn-lt"/>
-                <a:cs typeface="+mn-lt"/>
-              </a:rPr>
-              <a:t>. Os </a:t>
-            </a:r>
-            <a:r>
-              <a:rPr lang="de-DE" dirty="0" err="1">
-                <a:solidFill>
-                  <a:schemeClr val="bg1"/>
-                </a:solidFill>
-                <a:ea typeface="+mn-lt"/>
-                <a:cs typeface="+mn-lt"/>
-              </a:rPr>
-              <a:t>testes</a:t>
-            </a:r>
-            <a:r>
-              <a:rPr lang="de-DE" dirty="0">
-                <a:solidFill>
-                  <a:schemeClr val="bg1"/>
-                </a:solidFill>
-                <a:ea typeface="+mn-lt"/>
-                <a:cs typeface="+mn-lt"/>
-              </a:rPr>
-              <a:t> </a:t>
-            </a:r>
-            <a:r>
-              <a:rPr lang="de-DE" dirty="0" err="1">
-                <a:solidFill>
-                  <a:schemeClr val="bg1"/>
-                </a:solidFill>
-                <a:ea typeface="+mn-lt"/>
-                <a:cs typeface="+mn-lt"/>
-              </a:rPr>
-              <a:t>físicos</a:t>
-            </a:r>
-            <a:r>
-              <a:rPr lang="de-DE" dirty="0">
-                <a:solidFill>
-                  <a:schemeClr val="bg1"/>
-                </a:solidFill>
-                <a:ea typeface="+mn-lt"/>
-                <a:cs typeface="+mn-lt"/>
-              </a:rPr>
-              <a:t>, </a:t>
-            </a:r>
-            <a:r>
-              <a:rPr lang="de-DE" dirty="0" err="1">
-                <a:solidFill>
-                  <a:schemeClr val="bg1"/>
-                </a:solidFill>
-                <a:ea typeface="+mn-lt"/>
-                <a:cs typeface="+mn-lt"/>
-              </a:rPr>
-              <a:t>como</a:t>
-            </a:r>
-            <a:r>
-              <a:rPr lang="de-DE" dirty="0">
-                <a:solidFill>
-                  <a:schemeClr val="bg1"/>
-                </a:solidFill>
-                <a:ea typeface="+mn-lt"/>
-                <a:cs typeface="+mn-lt"/>
-              </a:rPr>
-              <a:t> o teste de </a:t>
-            </a:r>
-            <a:r>
-              <a:rPr lang="de-DE" dirty="0" err="1">
-                <a:solidFill>
-                  <a:schemeClr val="bg1"/>
-                </a:solidFill>
-                <a:ea typeface="+mn-lt"/>
-                <a:cs typeface="+mn-lt"/>
-              </a:rPr>
-              <a:t>estresse</a:t>
-            </a:r>
-            <a:r>
-              <a:rPr lang="de-DE" dirty="0">
-                <a:solidFill>
-                  <a:schemeClr val="bg1"/>
-                </a:solidFill>
-                <a:ea typeface="+mn-lt"/>
-                <a:cs typeface="+mn-lt"/>
-              </a:rPr>
-              <a:t> </a:t>
-            </a:r>
-            <a:r>
-              <a:rPr lang="de-DE" dirty="0" err="1">
-                <a:solidFill>
-                  <a:schemeClr val="bg1"/>
-                </a:solidFill>
-                <a:ea typeface="+mn-lt"/>
-                <a:cs typeface="+mn-lt"/>
-              </a:rPr>
-              <a:t>cardiovascular</a:t>
-            </a:r>
-            <a:r>
-              <a:rPr lang="de-DE" dirty="0">
-                <a:solidFill>
-                  <a:schemeClr val="bg1"/>
-                </a:solidFill>
-                <a:ea typeface="+mn-lt"/>
-                <a:cs typeface="+mn-lt"/>
-              </a:rPr>
-              <a:t>, </a:t>
-            </a:r>
-            <a:r>
-              <a:rPr lang="de-DE" dirty="0" err="1">
-                <a:solidFill>
-                  <a:schemeClr val="bg1"/>
-                </a:solidFill>
-                <a:ea typeface="+mn-lt"/>
-                <a:cs typeface="+mn-lt"/>
-              </a:rPr>
-              <a:t>envolvem</a:t>
-            </a:r>
-            <a:r>
-              <a:rPr lang="de-DE" dirty="0">
-                <a:solidFill>
-                  <a:schemeClr val="bg1"/>
-                </a:solidFill>
-                <a:ea typeface="+mn-lt"/>
-                <a:cs typeface="+mn-lt"/>
-              </a:rPr>
-              <a:t> </a:t>
-            </a:r>
-            <a:r>
-              <a:rPr lang="de-DE" dirty="0" err="1">
-                <a:solidFill>
-                  <a:schemeClr val="bg1"/>
-                </a:solidFill>
-                <a:ea typeface="+mn-lt"/>
-                <a:cs typeface="+mn-lt"/>
-              </a:rPr>
-              <a:t>atividades</a:t>
-            </a:r>
-            <a:r>
-              <a:rPr lang="de-DE" dirty="0">
-                <a:solidFill>
-                  <a:schemeClr val="bg1"/>
-                </a:solidFill>
-                <a:ea typeface="+mn-lt"/>
-                <a:cs typeface="+mn-lt"/>
-              </a:rPr>
-              <a:t> </a:t>
-            </a:r>
-            <a:r>
-              <a:rPr lang="de-DE" dirty="0" err="1">
-                <a:solidFill>
-                  <a:schemeClr val="bg1"/>
-                </a:solidFill>
-                <a:ea typeface="+mn-lt"/>
-                <a:cs typeface="+mn-lt"/>
-              </a:rPr>
-              <a:t>físicas</a:t>
-            </a:r>
-            <a:r>
-              <a:rPr lang="de-DE" dirty="0">
-                <a:solidFill>
-                  <a:schemeClr val="bg1"/>
-                </a:solidFill>
-                <a:ea typeface="+mn-lt"/>
-                <a:cs typeface="+mn-lt"/>
-              </a:rPr>
-              <a:t> </a:t>
-            </a:r>
-            <a:r>
-              <a:rPr lang="de-DE" dirty="0" err="1">
-                <a:solidFill>
-                  <a:schemeClr val="bg1"/>
-                </a:solidFill>
-                <a:ea typeface="+mn-lt"/>
-                <a:cs typeface="+mn-lt"/>
-              </a:rPr>
-              <a:t>controladas</a:t>
-            </a:r>
-            <a:r>
-              <a:rPr lang="de-DE" dirty="0">
-                <a:solidFill>
-                  <a:schemeClr val="bg1"/>
-                </a:solidFill>
-                <a:ea typeface="+mn-lt"/>
-                <a:cs typeface="+mn-lt"/>
-              </a:rPr>
-              <a:t>, </a:t>
-            </a:r>
-            <a:r>
-              <a:rPr lang="de-DE" dirty="0" err="1">
-                <a:solidFill>
-                  <a:schemeClr val="bg1"/>
-                </a:solidFill>
-                <a:ea typeface="+mn-lt"/>
-                <a:cs typeface="+mn-lt"/>
-              </a:rPr>
-              <a:t>como</a:t>
-            </a:r>
-            <a:r>
-              <a:rPr lang="de-DE" dirty="0">
-                <a:solidFill>
-                  <a:schemeClr val="bg1"/>
-                </a:solidFill>
-                <a:ea typeface="+mn-lt"/>
-                <a:cs typeface="+mn-lt"/>
-              </a:rPr>
-              <a:t> </a:t>
-            </a:r>
-            <a:r>
-              <a:rPr lang="de-DE" dirty="0" err="1">
-                <a:solidFill>
-                  <a:schemeClr val="bg1"/>
-                </a:solidFill>
-                <a:ea typeface="+mn-lt"/>
-                <a:cs typeface="+mn-lt"/>
-              </a:rPr>
-              <a:t>correr</a:t>
-            </a:r>
-            <a:r>
-              <a:rPr lang="de-DE" dirty="0">
-                <a:solidFill>
-                  <a:schemeClr val="bg1"/>
-                </a:solidFill>
-                <a:ea typeface="+mn-lt"/>
-                <a:cs typeface="+mn-lt"/>
-              </a:rPr>
-              <a:t> </a:t>
-            </a:r>
-            <a:r>
-              <a:rPr lang="de-DE" dirty="0" err="1">
-                <a:solidFill>
-                  <a:schemeClr val="bg1"/>
-                </a:solidFill>
-                <a:ea typeface="+mn-lt"/>
-                <a:cs typeface="+mn-lt"/>
-              </a:rPr>
-              <a:t>em</a:t>
-            </a:r>
-            <a:r>
-              <a:rPr lang="de-DE" dirty="0">
-                <a:solidFill>
-                  <a:schemeClr val="bg1"/>
-                </a:solidFill>
-                <a:ea typeface="+mn-lt"/>
-                <a:cs typeface="+mn-lt"/>
-              </a:rPr>
-              <a:t> </a:t>
-            </a:r>
-            <a:r>
-              <a:rPr lang="de-DE" dirty="0" err="1">
-                <a:solidFill>
-                  <a:schemeClr val="bg1"/>
-                </a:solidFill>
-                <a:ea typeface="+mn-lt"/>
-                <a:cs typeface="+mn-lt"/>
-              </a:rPr>
-              <a:t>uma</a:t>
-            </a:r>
-            <a:r>
-              <a:rPr lang="de-DE" dirty="0">
-                <a:solidFill>
-                  <a:schemeClr val="bg1"/>
-                </a:solidFill>
-                <a:ea typeface="+mn-lt"/>
-                <a:cs typeface="+mn-lt"/>
-              </a:rPr>
-              <a:t> </a:t>
-            </a:r>
-            <a:r>
-              <a:rPr lang="de-DE" dirty="0" err="1">
-                <a:solidFill>
-                  <a:schemeClr val="bg1"/>
-                </a:solidFill>
-                <a:ea typeface="+mn-lt"/>
-                <a:cs typeface="+mn-lt"/>
-              </a:rPr>
-              <a:t>esteira</a:t>
-            </a:r>
-            <a:r>
-              <a:rPr lang="de-DE" dirty="0">
-                <a:solidFill>
-                  <a:schemeClr val="bg1"/>
-                </a:solidFill>
-                <a:ea typeface="+mn-lt"/>
-                <a:cs typeface="+mn-lt"/>
-              </a:rPr>
-              <a:t>, </a:t>
-            </a:r>
-            <a:r>
-              <a:rPr lang="de-DE" dirty="0" err="1">
-                <a:solidFill>
-                  <a:schemeClr val="bg1"/>
-                </a:solidFill>
-                <a:ea typeface="+mn-lt"/>
-                <a:cs typeface="+mn-lt"/>
-              </a:rPr>
-              <a:t>enquanto</a:t>
-            </a:r>
-            <a:r>
-              <a:rPr lang="de-DE" dirty="0">
-                <a:solidFill>
-                  <a:schemeClr val="bg1"/>
-                </a:solidFill>
-                <a:ea typeface="+mn-lt"/>
-                <a:cs typeface="+mn-lt"/>
-              </a:rPr>
-              <a:t> </a:t>
-            </a:r>
-            <a:r>
-              <a:rPr lang="de-DE" dirty="0" err="1">
-                <a:solidFill>
-                  <a:schemeClr val="bg1"/>
-                </a:solidFill>
-                <a:ea typeface="+mn-lt"/>
-                <a:cs typeface="+mn-lt"/>
-              </a:rPr>
-              <a:t>os</a:t>
-            </a:r>
-            <a:r>
-              <a:rPr lang="de-DE" dirty="0">
-                <a:solidFill>
-                  <a:schemeClr val="bg1"/>
-                </a:solidFill>
-                <a:ea typeface="+mn-lt"/>
-                <a:cs typeface="+mn-lt"/>
-              </a:rPr>
-              <a:t> </a:t>
-            </a:r>
-            <a:r>
-              <a:rPr lang="de-DE" dirty="0" err="1">
-                <a:solidFill>
-                  <a:schemeClr val="bg1"/>
-                </a:solidFill>
-                <a:ea typeface="+mn-lt"/>
-                <a:cs typeface="+mn-lt"/>
-              </a:rPr>
-              <a:t>testes</a:t>
-            </a:r>
-            <a:r>
-              <a:rPr lang="de-DE" dirty="0">
-                <a:solidFill>
-                  <a:schemeClr val="bg1"/>
-                </a:solidFill>
-                <a:ea typeface="+mn-lt"/>
-                <a:cs typeface="+mn-lt"/>
-              </a:rPr>
-              <a:t> </a:t>
-            </a:r>
-            <a:r>
-              <a:rPr lang="de-DE" dirty="0" err="1">
-                <a:solidFill>
-                  <a:schemeClr val="bg1"/>
-                </a:solidFill>
-                <a:ea typeface="+mn-lt"/>
-                <a:cs typeface="+mn-lt"/>
-              </a:rPr>
-              <a:t>psicológicos</a:t>
-            </a:r>
-            <a:r>
-              <a:rPr lang="de-DE" dirty="0">
-                <a:solidFill>
-                  <a:schemeClr val="bg1"/>
-                </a:solidFill>
-                <a:ea typeface="+mn-lt"/>
-                <a:cs typeface="+mn-lt"/>
-              </a:rPr>
-              <a:t> </a:t>
-            </a:r>
-            <a:r>
-              <a:rPr lang="de-DE" dirty="0" err="1">
-                <a:solidFill>
-                  <a:schemeClr val="bg1"/>
-                </a:solidFill>
-                <a:ea typeface="+mn-lt"/>
-                <a:cs typeface="+mn-lt"/>
-              </a:rPr>
-              <a:t>avaliam</a:t>
-            </a:r>
-            <a:r>
-              <a:rPr lang="de-DE" dirty="0">
-                <a:solidFill>
-                  <a:schemeClr val="bg1"/>
-                </a:solidFill>
-                <a:ea typeface="+mn-lt"/>
-                <a:cs typeface="+mn-lt"/>
-              </a:rPr>
-              <a:t> a </a:t>
-            </a:r>
-            <a:r>
-              <a:rPr lang="de-DE" dirty="0" err="1">
-                <a:solidFill>
-                  <a:schemeClr val="bg1"/>
-                </a:solidFill>
-                <a:ea typeface="+mn-lt"/>
-                <a:cs typeface="+mn-lt"/>
-              </a:rPr>
-              <a:t>resposta</a:t>
-            </a:r>
-            <a:r>
-              <a:rPr lang="de-DE" dirty="0">
-                <a:solidFill>
-                  <a:schemeClr val="bg1"/>
-                </a:solidFill>
-                <a:ea typeface="+mn-lt"/>
-                <a:cs typeface="+mn-lt"/>
-              </a:rPr>
-              <a:t> </a:t>
-            </a:r>
-            <a:r>
-              <a:rPr lang="de-DE" dirty="0" err="1">
-                <a:solidFill>
-                  <a:schemeClr val="bg1"/>
-                </a:solidFill>
-                <a:ea typeface="+mn-lt"/>
-                <a:cs typeface="+mn-lt"/>
-              </a:rPr>
-              <a:t>emocional</a:t>
-            </a:r>
-            <a:r>
-              <a:rPr lang="de-DE" dirty="0">
-                <a:solidFill>
-                  <a:schemeClr val="bg1"/>
-                </a:solidFill>
-                <a:ea typeface="+mn-lt"/>
-                <a:cs typeface="+mn-lt"/>
-              </a:rPr>
-              <a:t> a </a:t>
-            </a:r>
-            <a:r>
-              <a:rPr lang="de-DE" dirty="0" err="1">
-                <a:solidFill>
-                  <a:schemeClr val="bg1"/>
-                </a:solidFill>
-                <a:ea typeface="+mn-lt"/>
-                <a:cs typeface="+mn-lt"/>
-              </a:rPr>
-              <a:t>situações</a:t>
-            </a:r>
-            <a:r>
-              <a:rPr lang="de-DE" dirty="0">
-                <a:solidFill>
-                  <a:schemeClr val="bg1"/>
-                </a:solidFill>
-                <a:ea typeface="+mn-lt"/>
-                <a:cs typeface="+mn-lt"/>
-              </a:rPr>
-              <a:t> </a:t>
-            </a:r>
-            <a:r>
-              <a:rPr lang="de-DE" dirty="0" err="1">
-                <a:solidFill>
-                  <a:schemeClr val="bg1"/>
-                </a:solidFill>
-                <a:ea typeface="+mn-lt"/>
-                <a:cs typeface="+mn-lt"/>
-              </a:rPr>
-              <a:t>desafiadoras</a:t>
-            </a:r>
-            <a:r>
-              <a:rPr lang="de-DE" dirty="0">
-                <a:solidFill>
-                  <a:schemeClr val="bg1"/>
-                </a:solidFill>
-                <a:ea typeface="+mn-lt"/>
-                <a:cs typeface="+mn-lt"/>
-              </a:rPr>
-              <a:t>, </a:t>
-            </a:r>
-            <a:r>
-              <a:rPr lang="de-DE" dirty="0" err="1">
-                <a:solidFill>
-                  <a:schemeClr val="bg1"/>
-                </a:solidFill>
-                <a:ea typeface="+mn-lt"/>
-                <a:cs typeface="+mn-lt"/>
-              </a:rPr>
-              <a:t>como</a:t>
-            </a:r>
-            <a:r>
-              <a:rPr lang="de-DE" dirty="0">
-                <a:solidFill>
-                  <a:schemeClr val="bg1"/>
-                </a:solidFill>
-                <a:ea typeface="+mn-lt"/>
-                <a:cs typeface="+mn-lt"/>
-              </a:rPr>
-              <a:t> </a:t>
-            </a:r>
-            <a:r>
-              <a:rPr lang="de-DE" dirty="0" err="1">
-                <a:solidFill>
-                  <a:schemeClr val="bg1"/>
-                </a:solidFill>
-                <a:ea typeface="+mn-lt"/>
-                <a:cs typeface="+mn-lt"/>
-              </a:rPr>
-              <a:t>entrevistas</a:t>
-            </a:r>
-            <a:r>
-              <a:rPr lang="de-DE" dirty="0">
-                <a:solidFill>
-                  <a:schemeClr val="bg1"/>
-                </a:solidFill>
-                <a:ea typeface="+mn-lt"/>
-                <a:cs typeface="+mn-lt"/>
-              </a:rPr>
-              <a:t> </a:t>
-            </a:r>
-            <a:r>
-              <a:rPr lang="de-DE" dirty="0" err="1">
-                <a:solidFill>
-                  <a:schemeClr val="bg1"/>
-                </a:solidFill>
-                <a:ea typeface="+mn-lt"/>
-                <a:cs typeface="+mn-lt"/>
-              </a:rPr>
-              <a:t>simuladas</a:t>
-            </a:r>
-            <a:r>
-              <a:rPr lang="de-DE" dirty="0">
-                <a:solidFill>
-                  <a:schemeClr val="bg1"/>
-                </a:solidFill>
-                <a:ea typeface="+mn-lt"/>
-                <a:cs typeface="+mn-lt"/>
-              </a:rPr>
-              <a:t> </a:t>
-            </a:r>
-            <a:r>
-              <a:rPr lang="de-DE" dirty="0" err="1">
-                <a:solidFill>
-                  <a:schemeClr val="bg1"/>
-                </a:solidFill>
-                <a:ea typeface="+mn-lt"/>
-                <a:cs typeface="+mn-lt"/>
-              </a:rPr>
-              <a:t>ou</a:t>
-            </a:r>
-            <a:r>
-              <a:rPr lang="de-DE" dirty="0">
-                <a:solidFill>
-                  <a:schemeClr val="bg1"/>
-                </a:solidFill>
-                <a:ea typeface="+mn-lt"/>
-                <a:cs typeface="+mn-lt"/>
-              </a:rPr>
-              <a:t> </a:t>
-            </a:r>
-            <a:r>
-              <a:rPr lang="de-DE" dirty="0" err="1">
-                <a:solidFill>
-                  <a:schemeClr val="bg1"/>
-                </a:solidFill>
-                <a:ea typeface="+mn-lt"/>
-                <a:cs typeface="+mn-lt"/>
-              </a:rPr>
-              <a:t>testes</a:t>
-            </a:r>
-            <a:r>
-              <a:rPr lang="de-DE" dirty="0">
-                <a:solidFill>
-                  <a:schemeClr val="bg1"/>
-                </a:solidFill>
-                <a:ea typeface="+mn-lt"/>
-                <a:cs typeface="+mn-lt"/>
-              </a:rPr>
-              <a:t> de </a:t>
-            </a:r>
-            <a:r>
-              <a:rPr lang="de-DE" dirty="0" err="1">
-                <a:solidFill>
-                  <a:schemeClr val="bg1"/>
-                </a:solidFill>
-                <a:ea typeface="+mn-lt"/>
-                <a:cs typeface="+mn-lt"/>
-              </a:rPr>
-              <a:t>desempenho</a:t>
-            </a:r>
-            <a:r>
-              <a:rPr lang="de-DE" dirty="0">
-                <a:solidFill>
-                  <a:schemeClr val="bg1"/>
-                </a:solidFill>
-                <a:ea typeface="+mn-lt"/>
-                <a:cs typeface="+mn-lt"/>
-              </a:rPr>
-              <a:t> </a:t>
-            </a:r>
-            <a:r>
-              <a:rPr lang="de-DE" dirty="0" err="1">
-                <a:solidFill>
-                  <a:schemeClr val="bg1"/>
-                </a:solidFill>
-                <a:ea typeface="+mn-lt"/>
-                <a:cs typeface="+mn-lt"/>
-              </a:rPr>
-              <a:t>sob</a:t>
-            </a:r>
-            <a:r>
-              <a:rPr lang="de-DE" dirty="0">
-                <a:solidFill>
-                  <a:schemeClr val="bg1"/>
-                </a:solidFill>
-                <a:ea typeface="+mn-lt"/>
-                <a:cs typeface="+mn-lt"/>
-              </a:rPr>
-              <a:t> </a:t>
-            </a:r>
-            <a:r>
-              <a:rPr lang="de-DE" dirty="0" err="1">
-                <a:solidFill>
-                  <a:schemeClr val="bg1"/>
-                </a:solidFill>
-                <a:ea typeface="+mn-lt"/>
-                <a:cs typeface="+mn-lt"/>
-              </a:rPr>
-              <a:t>pressão</a:t>
-            </a:r>
-            <a:r>
-              <a:rPr lang="de-DE" dirty="0">
-                <a:solidFill>
-                  <a:schemeClr val="bg1"/>
-                </a:solidFill>
-                <a:ea typeface="+mn-lt"/>
-                <a:cs typeface="+mn-lt"/>
-              </a:rPr>
-              <a:t>.</a:t>
-            </a:r>
-            <a:endParaRPr lang="de-DE" dirty="0">
-              <a:solidFill>
-                <a:schemeClr val="bg1"/>
-              </a:solidFill>
-            </a:endParaRPr>
+              <a:t>Ambos medem como o corpo e a mente lidam com desafios.</a:t>
+            </a:r>
           </a:p>
         </p:txBody>
       </p:sp>
@@ -8982,7 +7322,7 @@
           <a:lstStyle/>
           <a:p>
             <a:pPr algn="ctr"/>
-            <a:endParaRPr lang="en-US"/>
+            <a:endParaRPr lang="en-US" dirty="0"/>
           </a:p>
         </p:txBody>
       </p:sp>
@@ -9045,7 +7385,7 @@
           <a:lstStyle/>
           <a:p>
             <a:pPr algn="ctr"/>
-            <a:endParaRPr lang="en-US" sz="900">
+            <a:endParaRPr lang="en-US" sz="900" dirty="0">
               <a:solidFill>
                 <a:schemeClr val="bg1"/>
               </a:solidFill>
@@ -9177,7 +7517,7 @@
             <a:lstStyle/>
             <a:p>
               <a:pPr algn="ctr"/>
-              <a:endParaRPr lang="en-US"/>
+              <a:endParaRPr lang="en-US" dirty="0"/>
             </a:p>
           </p:txBody>
         </p:sp>
@@ -9241,7 +7581,7 @@
             <a:lstStyle/>
             <a:p>
               <a:pPr algn="ctr"/>
-              <a:endParaRPr lang="en-US"/>
+              <a:endParaRPr lang="en-US" dirty="0"/>
             </a:p>
           </p:txBody>
         </p:sp>
@@ -9306,7 +7646,7 @@
             <a:lstStyle/>
             <a:p>
               <a:pPr algn="ctr"/>
-              <a:endParaRPr lang="en-US"/>
+              <a:endParaRPr lang="en-US" dirty="0"/>
             </a:p>
           </p:txBody>
         </p:sp>
@@ -9367,7 +7707,7 @@
             <a:lstStyle/>
             <a:p>
               <a:pPr algn="ctr"/>
-              <a:endParaRPr lang="en-US"/>
+              <a:endParaRPr lang="en-US" dirty="0"/>
             </a:p>
           </p:txBody>
         </p:sp>
@@ -9428,7 +7768,7 @@
             <a:lstStyle/>
             <a:p>
               <a:pPr algn="ctr"/>
-              <a:endParaRPr lang="en-US"/>
+              <a:endParaRPr lang="en-US" dirty="0"/>
             </a:p>
           </p:txBody>
         </p:sp>
@@ -9489,7 +7829,7 @@
             <a:lstStyle/>
             <a:p>
               <a:pPr algn="ctr"/>
-              <a:endParaRPr lang="en-US"/>
+              <a:endParaRPr lang="en-US" dirty="0"/>
             </a:p>
           </p:txBody>
         </p:sp>
@@ -9553,7 +7893,7 @@
             <a:lstStyle/>
             <a:p>
               <a:pPr algn="ctr"/>
-              <a:endParaRPr lang="en-US"/>
+              <a:endParaRPr lang="en-US" dirty="0"/>
             </a:p>
           </p:txBody>
         </p:sp>
@@ -9614,7 +7954,7 @@
             <a:lstStyle/>
             <a:p>
               <a:pPr algn="ctr"/>
-              <a:endParaRPr lang="en-US"/>
+              <a:endParaRPr lang="en-US" dirty="0"/>
             </a:p>
           </p:txBody>
         </p:sp>
@@ -9753,876 +8093,58 @@
           <a:lstStyle/>
           <a:p>
             <a:r>
-              <a:rPr lang="de-DE" dirty="0">
+              <a:rPr lang="pt-BR" dirty="0">
                 <a:solidFill>
-                  <a:srgbClr val="FFFFFF"/>
+                  <a:schemeClr val="bg1"/>
                 </a:solidFill>
-                <a:ea typeface="+mn-lt"/>
-                <a:cs typeface="+mn-lt"/>
               </a:rPr>
-              <a:t>Os </a:t>
-            </a:r>
-            <a:r>
-              <a:rPr lang="de-DE" dirty="0" err="1">
+              <a:t>Os testes de estresse ocorrem em ambientes controlados e seguros.</a:t>
+            </a:r>
+            <a:br>
+              <a:rPr lang="pt-BR" dirty="0">
                 <a:solidFill>
-                  <a:srgbClr val="FFFFFF"/>
+                  <a:schemeClr val="bg1"/>
                 </a:solidFill>
-                <a:ea typeface="+mn-lt"/>
-                <a:cs typeface="+mn-lt"/>
               </a:rPr>
-              <a:t>testes</a:t>
-            </a:r>
-            <a:r>
-              <a:rPr lang="de-DE" dirty="0">
+            </a:br>
+            <a:r>
+              <a:rPr lang="pt-BR" dirty="0">
                 <a:solidFill>
-                  <a:srgbClr val="FFFFFF"/>
+                  <a:schemeClr val="bg1"/>
                 </a:solidFill>
-                <a:ea typeface="+mn-lt"/>
-                <a:cs typeface="+mn-lt"/>
               </a:rPr>
-              <a:t> de </a:t>
-            </a:r>
-            <a:r>
-              <a:rPr lang="de-DE" dirty="0" err="1">
+              <a:t>São supervisionados por profissionais de saúde qualificados.</a:t>
+            </a:r>
+            <a:br>
+              <a:rPr lang="pt-BR" dirty="0">
                 <a:solidFill>
-                  <a:srgbClr val="FFFFFF"/>
+                  <a:schemeClr val="bg1"/>
                 </a:solidFill>
-                <a:ea typeface="+mn-lt"/>
-                <a:cs typeface="+mn-lt"/>
               </a:rPr>
-              <a:t>estresse</a:t>
-            </a:r>
-            <a:r>
-              <a:rPr lang="de-DE" dirty="0">
+            </a:br>
+            <a:r>
+              <a:rPr lang="pt-BR" dirty="0">
                 <a:solidFill>
-                  <a:srgbClr val="FFFFFF"/>
+                  <a:schemeClr val="bg1"/>
                 </a:solidFill>
-                <a:ea typeface="+mn-lt"/>
-                <a:cs typeface="+mn-lt"/>
               </a:rPr>
-              <a:t> </a:t>
-            </a:r>
-            <a:r>
-              <a:rPr lang="de-DE" dirty="0" err="1">
+              <a:t>Nos testes físicos, monitoram-se sinais vitais durante atividades.</a:t>
+            </a:r>
+            <a:br>
+              <a:rPr lang="pt-BR" dirty="0">
                 <a:solidFill>
-                  <a:srgbClr val="FFFFFF"/>
+                  <a:schemeClr val="bg1"/>
                 </a:solidFill>
-                <a:ea typeface="+mn-lt"/>
-                <a:cs typeface="+mn-lt"/>
               </a:rPr>
-              <a:t>geralmente</a:t>
-            </a:r>
-            <a:r>
-              <a:rPr lang="de-DE" dirty="0">
+            </a:br>
+            <a:r>
+              <a:rPr lang="pt-BR" dirty="0">
                 <a:solidFill>
-                  <a:srgbClr val="FFFFFF"/>
+                  <a:schemeClr val="bg1"/>
                 </a:solidFill>
-                <a:ea typeface="+mn-lt"/>
-                <a:cs typeface="+mn-lt"/>
               </a:rPr>
-              <a:t> </a:t>
-            </a:r>
-            <a:r>
-              <a:rPr lang="de-DE" dirty="0" err="1">
-                <a:solidFill>
-                  <a:srgbClr val="FFFFFF"/>
-                </a:solidFill>
-                <a:ea typeface="+mn-lt"/>
-                <a:cs typeface="+mn-lt"/>
-              </a:rPr>
-              <a:t>são</a:t>
-            </a:r>
-            <a:r>
-              <a:rPr lang="de-DE" dirty="0">
-                <a:solidFill>
-                  <a:srgbClr val="FFFFFF"/>
-                </a:solidFill>
-                <a:ea typeface="+mn-lt"/>
-                <a:cs typeface="+mn-lt"/>
-              </a:rPr>
-              <a:t> </a:t>
-            </a:r>
-            <a:r>
-              <a:rPr lang="de-DE" dirty="0" err="1">
-                <a:solidFill>
-                  <a:srgbClr val="FFFFFF"/>
-                </a:solidFill>
-                <a:ea typeface="+mn-lt"/>
-                <a:cs typeface="+mn-lt"/>
-              </a:rPr>
-              <a:t>realizados</a:t>
-            </a:r>
-            <a:r>
-              <a:rPr lang="de-DE" dirty="0">
-                <a:solidFill>
-                  <a:srgbClr val="FFFFFF"/>
-                </a:solidFill>
-                <a:ea typeface="+mn-lt"/>
-                <a:cs typeface="+mn-lt"/>
-              </a:rPr>
-              <a:t> </a:t>
-            </a:r>
-            <a:r>
-              <a:rPr lang="de-DE" dirty="0" err="1">
-                <a:solidFill>
-                  <a:srgbClr val="FFFFFF"/>
-                </a:solidFill>
-                <a:ea typeface="+mn-lt"/>
-                <a:cs typeface="+mn-lt"/>
-              </a:rPr>
-              <a:t>em</a:t>
-            </a:r>
-            <a:r>
-              <a:rPr lang="de-DE" dirty="0">
-                <a:solidFill>
-                  <a:srgbClr val="FFFFFF"/>
-                </a:solidFill>
-                <a:ea typeface="+mn-lt"/>
-                <a:cs typeface="+mn-lt"/>
-              </a:rPr>
-              <a:t> ambientes </a:t>
-            </a:r>
-            <a:r>
-              <a:rPr lang="de-DE" dirty="0" err="1">
-                <a:solidFill>
-                  <a:srgbClr val="FFFFFF"/>
-                </a:solidFill>
-                <a:ea typeface="+mn-lt"/>
-                <a:cs typeface="+mn-lt"/>
-              </a:rPr>
-              <a:t>controlados</a:t>
-            </a:r>
-            <a:r>
-              <a:rPr lang="de-DE" dirty="0">
-                <a:solidFill>
-                  <a:srgbClr val="FFFFFF"/>
-                </a:solidFill>
-                <a:ea typeface="+mn-lt"/>
-                <a:cs typeface="+mn-lt"/>
-              </a:rPr>
-              <a:t>, </a:t>
-            </a:r>
-            <a:r>
-              <a:rPr lang="de-DE" dirty="0" err="1">
-                <a:solidFill>
-                  <a:srgbClr val="FFFFFF"/>
-                </a:solidFill>
-                <a:ea typeface="+mn-lt"/>
-                <a:cs typeface="+mn-lt"/>
-              </a:rPr>
-              <a:t>como</a:t>
-            </a:r>
-            <a:r>
-              <a:rPr lang="de-DE" dirty="0">
-                <a:solidFill>
-                  <a:srgbClr val="FFFFFF"/>
-                </a:solidFill>
-                <a:ea typeface="+mn-lt"/>
-                <a:cs typeface="+mn-lt"/>
-              </a:rPr>
-              <a:t> </a:t>
-            </a:r>
-            <a:r>
-              <a:rPr lang="de-DE" dirty="0" err="1">
-                <a:solidFill>
-                  <a:srgbClr val="FFFFFF"/>
-                </a:solidFill>
-                <a:ea typeface="+mn-lt"/>
-                <a:cs typeface="+mn-lt"/>
-              </a:rPr>
-              <a:t>clínicas</a:t>
-            </a:r>
-            <a:r>
-              <a:rPr lang="de-DE" dirty="0">
-                <a:solidFill>
-                  <a:srgbClr val="FFFFFF"/>
-                </a:solidFill>
-                <a:ea typeface="+mn-lt"/>
-                <a:cs typeface="+mn-lt"/>
-              </a:rPr>
-              <a:t> </a:t>
-            </a:r>
-            <a:r>
-              <a:rPr lang="de-DE" dirty="0" err="1">
-                <a:solidFill>
-                  <a:srgbClr val="FFFFFF"/>
-                </a:solidFill>
-                <a:ea typeface="+mn-lt"/>
-                <a:cs typeface="+mn-lt"/>
-              </a:rPr>
-              <a:t>ou</a:t>
-            </a:r>
-            <a:r>
-              <a:rPr lang="de-DE" dirty="0">
-                <a:solidFill>
-                  <a:srgbClr val="FFFFFF"/>
-                </a:solidFill>
-                <a:ea typeface="+mn-lt"/>
-                <a:cs typeface="+mn-lt"/>
-              </a:rPr>
-              <a:t> </a:t>
-            </a:r>
-            <a:r>
-              <a:rPr lang="de-DE" dirty="0" err="1">
-                <a:solidFill>
-                  <a:srgbClr val="FFFFFF"/>
-                </a:solidFill>
-                <a:ea typeface="+mn-lt"/>
-                <a:cs typeface="+mn-lt"/>
-              </a:rPr>
-              <a:t>hospitais</a:t>
-            </a:r>
-            <a:r>
-              <a:rPr lang="de-DE" dirty="0">
-                <a:solidFill>
-                  <a:srgbClr val="FFFFFF"/>
-                </a:solidFill>
-                <a:ea typeface="+mn-lt"/>
-                <a:cs typeface="+mn-lt"/>
-              </a:rPr>
-              <a:t>, </a:t>
-            </a:r>
-            <a:r>
-              <a:rPr lang="de-DE" dirty="0" err="1">
-                <a:solidFill>
-                  <a:srgbClr val="FFFFFF"/>
-                </a:solidFill>
-                <a:ea typeface="+mn-lt"/>
-                <a:cs typeface="+mn-lt"/>
-              </a:rPr>
-              <a:t>sob</a:t>
-            </a:r>
-            <a:r>
-              <a:rPr lang="de-DE" dirty="0">
-                <a:solidFill>
-                  <a:srgbClr val="FFFFFF"/>
-                </a:solidFill>
-                <a:ea typeface="+mn-lt"/>
-                <a:cs typeface="+mn-lt"/>
-              </a:rPr>
-              <a:t> a </a:t>
-            </a:r>
-            <a:r>
-              <a:rPr lang="de-DE" dirty="0" err="1">
-                <a:solidFill>
-                  <a:srgbClr val="FFFFFF"/>
-                </a:solidFill>
-                <a:ea typeface="+mn-lt"/>
-                <a:cs typeface="+mn-lt"/>
-              </a:rPr>
-              <a:t>supervisão</a:t>
-            </a:r>
-            <a:r>
-              <a:rPr lang="de-DE" dirty="0">
-                <a:solidFill>
-                  <a:srgbClr val="FFFFFF"/>
-                </a:solidFill>
-                <a:ea typeface="+mn-lt"/>
-                <a:cs typeface="+mn-lt"/>
-              </a:rPr>
-              <a:t> de </a:t>
-            </a:r>
-            <a:r>
-              <a:rPr lang="de-DE" dirty="0" err="1">
-                <a:solidFill>
-                  <a:srgbClr val="FFFFFF"/>
-                </a:solidFill>
-                <a:ea typeface="+mn-lt"/>
-                <a:cs typeface="+mn-lt"/>
-              </a:rPr>
-              <a:t>profissionais</a:t>
-            </a:r>
-            <a:r>
-              <a:rPr lang="de-DE" dirty="0">
-                <a:solidFill>
-                  <a:srgbClr val="FFFFFF"/>
-                </a:solidFill>
-                <a:ea typeface="+mn-lt"/>
-                <a:cs typeface="+mn-lt"/>
-              </a:rPr>
-              <a:t> de </a:t>
-            </a:r>
-            <a:r>
-              <a:rPr lang="de-DE" dirty="0" err="1">
-                <a:solidFill>
-                  <a:srgbClr val="FFFFFF"/>
-                </a:solidFill>
-                <a:ea typeface="+mn-lt"/>
-                <a:cs typeface="+mn-lt"/>
-              </a:rPr>
-              <a:t>saúde</a:t>
-            </a:r>
-            <a:r>
-              <a:rPr lang="de-DE" dirty="0">
-                <a:solidFill>
-                  <a:srgbClr val="FFFFFF"/>
-                </a:solidFill>
-                <a:ea typeface="+mn-lt"/>
-                <a:cs typeface="+mn-lt"/>
-              </a:rPr>
-              <a:t> </a:t>
-            </a:r>
-            <a:r>
-              <a:rPr lang="de-DE" dirty="0" err="1">
-                <a:solidFill>
-                  <a:srgbClr val="FFFFFF"/>
-                </a:solidFill>
-                <a:ea typeface="+mn-lt"/>
-                <a:cs typeface="+mn-lt"/>
-              </a:rPr>
-              <a:t>qualificados</a:t>
-            </a:r>
-            <a:r>
-              <a:rPr lang="de-DE" dirty="0">
-                <a:solidFill>
-                  <a:srgbClr val="FFFFFF"/>
-                </a:solidFill>
-                <a:ea typeface="+mn-lt"/>
-                <a:cs typeface="+mn-lt"/>
-              </a:rPr>
-              <a:t>. Durante um teste </a:t>
-            </a:r>
-            <a:r>
-              <a:rPr lang="de-DE" dirty="0" err="1">
-                <a:solidFill>
-                  <a:srgbClr val="FFFFFF"/>
-                </a:solidFill>
-                <a:ea typeface="+mn-lt"/>
-                <a:cs typeface="+mn-lt"/>
-              </a:rPr>
-              <a:t>físico</a:t>
-            </a:r>
-            <a:r>
-              <a:rPr lang="de-DE" dirty="0">
-                <a:solidFill>
-                  <a:srgbClr val="FFFFFF"/>
-                </a:solidFill>
-                <a:ea typeface="+mn-lt"/>
-                <a:cs typeface="+mn-lt"/>
-              </a:rPr>
-              <a:t>, o </a:t>
-            </a:r>
-            <a:r>
-              <a:rPr lang="de-DE" dirty="0" err="1">
-                <a:solidFill>
-                  <a:srgbClr val="FFFFFF"/>
-                </a:solidFill>
-                <a:ea typeface="+mn-lt"/>
-                <a:cs typeface="+mn-lt"/>
-              </a:rPr>
-              <a:t>paciente</a:t>
-            </a:r>
-            <a:r>
-              <a:rPr lang="de-DE" dirty="0">
-                <a:solidFill>
-                  <a:srgbClr val="FFFFFF"/>
-                </a:solidFill>
-                <a:ea typeface="+mn-lt"/>
-                <a:cs typeface="+mn-lt"/>
-              </a:rPr>
-              <a:t> é </a:t>
-            </a:r>
-            <a:r>
-              <a:rPr lang="de-DE" dirty="0" err="1">
-                <a:solidFill>
-                  <a:srgbClr val="FFFFFF"/>
-                </a:solidFill>
-                <a:ea typeface="+mn-lt"/>
-                <a:cs typeface="+mn-lt"/>
-              </a:rPr>
-              <a:t>monitorado</a:t>
-            </a:r>
-            <a:r>
-              <a:rPr lang="de-DE" dirty="0">
-                <a:solidFill>
-                  <a:srgbClr val="FFFFFF"/>
-                </a:solidFill>
-                <a:ea typeface="+mn-lt"/>
-                <a:cs typeface="+mn-lt"/>
-              </a:rPr>
-              <a:t> quanto a </a:t>
-            </a:r>
-            <a:r>
-              <a:rPr lang="de-DE" dirty="0" err="1">
-                <a:solidFill>
-                  <a:srgbClr val="FFFFFF"/>
-                </a:solidFill>
-                <a:ea typeface="+mn-lt"/>
-                <a:cs typeface="+mn-lt"/>
-              </a:rPr>
-              <a:t>sinais</a:t>
-            </a:r>
-            <a:r>
-              <a:rPr lang="de-DE" dirty="0">
-                <a:solidFill>
-                  <a:srgbClr val="FFFFFF"/>
-                </a:solidFill>
-                <a:ea typeface="+mn-lt"/>
-                <a:cs typeface="+mn-lt"/>
-              </a:rPr>
-              <a:t> </a:t>
-            </a:r>
-            <a:r>
-              <a:rPr lang="de-DE" dirty="0" err="1">
-                <a:solidFill>
-                  <a:srgbClr val="FFFFFF"/>
-                </a:solidFill>
-                <a:ea typeface="+mn-lt"/>
-                <a:cs typeface="+mn-lt"/>
-              </a:rPr>
-              <a:t>vitais</a:t>
-            </a:r>
-            <a:r>
-              <a:rPr lang="de-DE" dirty="0">
-                <a:solidFill>
-                  <a:srgbClr val="FFFFFF"/>
-                </a:solidFill>
-                <a:ea typeface="+mn-lt"/>
-                <a:cs typeface="+mn-lt"/>
-              </a:rPr>
-              <a:t>, </a:t>
-            </a:r>
-            <a:r>
-              <a:rPr lang="de-DE" dirty="0" err="1">
-                <a:solidFill>
-                  <a:srgbClr val="FFFFFF"/>
-                </a:solidFill>
-                <a:ea typeface="+mn-lt"/>
-                <a:cs typeface="+mn-lt"/>
-              </a:rPr>
-              <a:t>como</a:t>
-            </a:r>
-            <a:r>
-              <a:rPr lang="de-DE" dirty="0">
-                <a:solidFill>
-                  <a:srgbClr val="FFFFFF"/>
-                </a:solidFill>
-                <a:ea typeface="+mn-lt"/>
-                <a:cs typeface="+mn-lt"/>
-              </a:rPr>
-              <a:t> </a:t>
-            </a:r>
-            <a:r>
-              <a:rPr lang="de-DE" dirty="0" err="1">
-                <a:solidFill>
-                  <a:srgbClr val="FFFFFF"/>
-                </a:solidFill>
-                <a:ea typeface="+mn-lt"/>
-                <a:cs typeface="+mn-lt"/>
-              </a:rPr>
-              <a:t>frequência</a:t>
-            </a:r>
-            <a:r>
-              <a:rPr lang="de-DE" dirty="0">
-                <a:solidFill>
-                  <a:srgbClr val="FFFFFF"/>
-                </a:solidFill>
-                <a:ea typeface="+mn-lt"/>
-                <a:cs typeface="+mn-lt"/>
-              </a:rPr>
-              <a:t> </a:t>
-            </a:r>
-            <a:r>
-              <a:rPr lang="de-DE" dirty="0" err="1">
-                <a:solidFill>
-                  <a:srgbClr val="FFFFFF"/>
-                </a:solidFill>
-                <a:ea typeface="+mn-lt"/>
-                <a:cs typeface="+mn-lt"/>
-              </a:rPr>
-              <a:t>cardíaca</a:t>
-            </a:r>
-            <a:r>
-              <a:rPr lang="de-DE" dirty="0">
-                <a:solidFill>
-                  <a:srgbClr val="FFFFFF"/>
-                </a:solidFill>
-                <a:ea typeface="+mn-lt"/>
-                <a:cs typeface="+mn-lt"/>
-              </a:rPr>
-              <a:t> e </a:t>
-            </a:r>
-            <a:r>
-              <a:rPr lang="de-DE" dirty="0" err="1">
-                <a:solidFill>
-                  <a:srgbClr val="FFFFFF"/>
-                </a:solidFill>
-                <a:ea typeface="+mn-lt"/>
-                <a:cs typeface="+mn-lt"/>
-              </a:rPr>
-              <a:t>pressão</a:t>
-            </a:r>
-            <a:r>
-              <a:rPr lang="de-DE" dirty="0">
-                <a:solidFill>
-                  <a:srgbClr val="FFFFFF"/>
-                </a:solidFill>
-                <a:ea typeface="+mn-lt"/>
-                <a:cs typeface="+mn-lt"/>
-              </a:rPr>
-              <a:t> </a:t>
-            </a:r>
-            <a:r>
-              <a:rPr lang="de-DE" dirty="0" err="1">
-                <a:solidFill>
-                  <a:srgbClr val="FFFFFF"/>
-                </a:solidFill>
-                <a:ea typeface="+mn-lt"/>
-                <a:cs typeface="+mn-lt"/>
-              </a:rPr>
-              <a:t>arterial</a:t>
-            </a:r>
-            <a:r>
-              <a:rPr lang="de-DE" dirty="0">
-                <a:solidFill>
-                  <a:srgbClr val="FFFFFF"/>
-                </a:solidFill>
-                <a:ea typeface="+mn-lt"/>
-                <a:cs typeface="+mn-lt"/>
-              </a:rPr>
-              <a:t>, </a:t>
-            </a:r>
-            <a:r>
-              <a:rPr lang="de-DE" dirty="0" err="1">
-                <a:solidFill>
-                  <a:srgbClr val="FFFFFF"/>
-                </a:solidFill>
-                <a:ea typeface="+mn-lt"/>
-                <a:cs typeface="+mn-lt"/>
-              </a:rPr>
-              <a:t>enquanto</a:t>
-            </a:r>
-            <a:r>
-              <a:rPr lang="de-DE" dirty="0">
-                <a:solidFill>
-                  <a:srgbClr val="FFFFFF"/>
-                </a:solidFill>
-                <a:ea typeface="+mn-lt"/>
-                <a:cs typeface="+mn-lt"/>
-              </a:rPr>
-              <a:t> </a:t>
-            </a:r>
-            <a:r>
-              <a:rPr lang="de-DE" dirty="0" err="1">
-                <a:solidFill>
-                  <a:srgbClr val="FFFFFF"/>
-                </a:solidFill>
-                <a:ea typeface="+mn-lt"/>
-                <a:cs typeface="+mn-lt"/>
-              </a:rPr>
-              <a:t>executa</a:t>
-            </a:r>
-            <a:r>
-              <a:rPr lang="de-DE" dirty="0">
-                <a:solidFill>
-                  <a:srgbClr val="FFFFFF"/>
-                </a:solidFill>
-                <a:ea typeface="+mn-lt"/>
-                <a:cs typeface="+mn-lt"/>
-              </a:rPr>
-              <a:t> </a:t>
-            </a:r>
-            <a:r>
-              <a:rPr lang="de-DE" dirty="0" err="1">
-                <a:solidFill>
-                  <a:srgbClr val="FFFFFF"/>
-                </a:solidFill>
-                <a:ea typeface="+mn-lt"/>
-                <a:cs typeface="+mn-lt"/>
-              </a:rPr>
-              <a:t>atividades</a:t>
-            </a:r>
-            <a:r>
-              <a:rPr lang="de-DE" dirty="0">
-                <a:solidFill>
-                  <a:srgbClr val="FFFFFF"/>
-                </a:solidFill>
-                <a:ea typeface="+mn-lt"/>
-                <a:cs typeface="+mn-lt"/>
-              </a:rPr>
-              <a:t> </a:t>
-            </a:r>
-            <a:r>
-              <a:rPr lang="de-DE" dirty="0" err="1">
-                <a:solidFill>
-                  <a:srgbClr val="FFFFFF"/>
-                </a:solidFill>
-                <a:ea typeface="+mn-lt"/>
-                <a:cs typeface="+mn-lt"/>
-              </a:rPr>
-              <a:t>físicas</a:t>
-            </a:r>
-            <a:r>
-              <a:rPr lang="de-DE" dirty="0">
-                <a:solidFill>
-                  <a:srgbClr val="FFFFFF"/>
-                </a:solidFill>
-                <a:ea typeface="+mn-lt"/>
-                <a:cs typeface="+mn-lt"/>
-              </a:rPr>
-              <a:t>. </a:t>
-            </a:r>
-            <a:r>
-              <a:rPr lang="de-DE" dirty="0" err="1">
-                <a:solidFill>
-                  <a:srgbClr val="FFFFFF"/>
-                </a:solidFill>
-                <a:ea typeface="+mn-lt"/>
-                <a:cs typeface="+mn-lt"/>
-              </a:rPr>
-              <a:t>Em</a:t>
-            </a:r>
-            <a:r>
-              <a:rPr lang="de-DE" dirty="0">
-                <a:solidFill>
-                  <a:srgbClr val="FFFFFF"/>
-                </a:solidFill>
-                <a:ea typeface="+mn-lt"/>
-                <a:cs typeface="+mn-lt"/>
-              </a:rPr>
-              <a:t> </a:t>
-            </a:r>
-            <a:r>
-              <a:rPr lang="de-DE" dirty="0" err="1">
-                <a:solidFill>
-                  <a:srgbClr val="FFFFFF"/>
-                </a:solidFill>
-                <a:ea typeface="+mn-lt"/>
-                <a:cs typeface="+mn-lt"/>
-              </a:rPr>
-              <a:t>testes</a:t>
-            </a:r>
-            <a:r>
-              <a:rPr lang="de-DE" dirty="0">
-                <a:solidFill>
-                  <a:srgbClr val="FFFFFF"/>
-                </a:solidFill>
-                <a:ea typeface="+mn-lt"/>
-                <a:cs typeface="+mn-lt"/>
-              </a:rPr>
-              <a:t> </a:t>
-            </a:r>
-            <a:r>
-              <a:rPr lang="de-DE" dirty="0" err="1">
-                <a:solidFill>
-                  <a:srgbClr val="FFFFFF"/>
-                </a:solidFill>
-                <a:ea typeface="+mn-lt"/>
-                <a:cs typeface="+mn-lt"/>
-              </a:rPr>
-              <a:t>psicológicos</a:t>
-            </a:r>
-            <a:r>
-              <a:rPr lang="de-DE" dirty="0">
-                <a:solidFill>
-                  <a:srgbClr val="FFFFFF"/>
-                </a:solidFill>
-                <a:ea typeface="+mn-lt"/>
-                <a:cs typeface="+mn-lt"/>
-              </a:rPr>
-              <a:t>, o </a:t>
-            </a:r>
-            <a:r>
-              <a:rPr lang="de-DE" dirty="0" err="1">
-                <a:solidFill>
-                  <a:srgbClr val="FFFFFF"/>
-                </a:solidFill>
-                <a:ea typeface="+mn-lt"/>
-                <a:cs typeface="+mn-lt"/>
-              </a:rPr>
-              <a:t>paciente</a:t>
-            </a:r>
-            <a:r>
-              <a:rPr lang="de-DE" dirty="0">
-                <a:solidFill>
-                  <a:srgbClr val="FFFFFF"/>
-                </a:solidFill>
-                <a:ea typeface="+mn-lt"/>
-                <a:cs typeface="+mn-lt"/>
-              </a:rPr>
-              <a:t> </a:t>
-            </a:r>
-            <a:r>
-              <a:rPr lang="de-DE" dirty="0" err="1">
-                <a:solidFill>
-                  <a:srgbClr val="FFFFFF"/>
-                </a:solidFill>
-                <a:ea typeface="+mn-lt"/>
-                <a:cs typeface="+mn-lt"/>
-              </a:rPr>
-              <a:t>pode</a:t>
-            </a:r>
-            <a:r>
-              <a:rPr lang="de-DE" dirty="0">
-                <a:solidFill>
-                  <a:srgbClr val="FFFFFF"/>
-                </a:solidFill>
-                <a:ea typeface="+mn-lt"/>
-                <a:cs typeface="+mn-lt"/>
-              </a:rPr>
-              <a:t> </a:t>
-            </a:r>
-            <a:r>
-              <a:rPr lang="de-DE" dirty="0" err="1">
-                <a:solidFill>
-                  <a:srgbClr val="FFFFFF"/>
-                </a:solidFill>
-                <a:ea typeface="+mn-lt"/>
-                <a:cs typeface="+mn-lt"/>
-              </a:rPr>
-              <a:t>ser</a:t>
-            </a:r>
-            <a:r>
-              <a:rPr lang="de-DE" dirty="0">
-                <a:solidFill>
-                  <a:srgbClr val="FFFFFF"/>
-                </a:solidFill>
-                <a:ea typeface="+mn-lt"/>
-                <a:cs typeface="+mn-lt"/>
-              </a:rPr>
-              <a:t> </a:t>
-            </a:r>
-            <a:r>
-              <a:rPr lang="de-DE" dirty="0" err="1">
-                <a:solidFill>
-                  <a:srgbClr val="FFFFFF"/>
-                </a:solidFill>
-                <a:ea typeface="+mn-lt"/>
-                <a:cs typeface="+mn-lt"/>
-              </a:rPr>
-              <a:t>exposto</a:t>
-            </a:r>
-            <a:r>
-              <a:rPr lang="de-DE" dirty="0">
-                <a:solidFill>
-                  <a:srgbClr val="FFFFFF"/>
-                </a:solidFill>
-                <a:ea typeface="+mn-lt"/>
-                <a:cs typeface="+mn-lt"/>
-              </a:rPr>
-              <a:t> a </a:t>
-            </a:r>
-            <a:r>
-              <a:rPr lang="de-DE" dirty="0" err="1">
-                <a:solidFill>
-                  <a:srgbClr val="FFFFFF"/>
-                </a:solidFill>
-                <a:ea typeface="+mn-lt"/>
-                <a:cs typeface="+mn-lt"/>
-              </a:rPr>
-              <a:t>cenários</a:t>
-            </a:r>
-            <a:r>
-              <a:rPr lang="de-DE" dirty="0">
-                <a:solidFill>
-                  <a:srgbClr val="FFFFFF"/>
-                </a:solidFill>
-                <a:ea typeface="+mn-lt"/>
-                <a:cs typeface="+mn-lt"/>
-              </a:rPr>
-              <a:t> de </a:t>
-            </a:r>
-            <a:r>
-              <a:rPr lang="de-DE" dirty="0" err="1">
-                <a:solidFill>
-                  <a:srgbClr val="FFFFFF"/>
-                </a:solidFill>
-                <a:ea typeface="+mn-lt"/>
-                <a:cs typeface="+mn-lt"/>
-              </a:rPr>
-              <a:t>estresse</a:t>
-            </a:r>
-            <a:r>
-              <a:rPr lang="de-DE" dirty="0">
-                <a:solidFill>
-                  <a:srgbClr val="FFFFFF"/>
-                </a:solidFill>
-                <a:ea typeface="+mn-lt"/>
-                <a:cs typeface="+mn-lt"/>
-              </a:rPr>
-              <a:t> e </a:t>
-            </a:r>
-            <a:r>
-              <a:rPr lang="de-DE" dirty="0" err="1">
-                <a:solidFill>
-                  <a:srgbClr val="FFFFFF"/>
-                </a:solidFill>
-                <a:ea typeface="+mn-lt"/>
-                <a:cs typeface="+mn-lt"/>
-              </a:rPr>
-              <a:t>suas</a:t>
-            </a:r>
-            <a:r>
-              <a:rPr lang="de-DE" dirty="0">
-                <a:solidFill>
-                  <a:srgbClr val="FFFFFF"/>
-                </a:solidFill>
-                <a:ea typeface="+mn-lt"/>
-                <a:cs typeface="+mn-lt"/>
-              </a:rPr>
-              <a:t> </a:t>
-            </a:r>
-            <a:r>
-              <a:rPr lang="de-DE" dirty="0" err="1">
-                <a:solidFill>
-                  <a:srgbClr val="FFFFFF"/>
-                </a:solidFill>
-                <a:ea typeface="+mn-lt"/>
-                <a:cs typeface="+mn-lt"/>
-              </a:rPr>
-              <a:t>reações</a:t>
-            </a:r>
-            <a:r>
-              <a:rPr lang="de-DE" dirty="0">
-                <a:solidFill>
-                  <a:srgbClr val="FFFFFF"/>
-                </a:solidFill>
-                <a:ea typeface="+mn-lt"/>
-                <a:cs typeface="+mn-lt"/>
-              </a:rPr>
-              <a:t> </a:t>
-            </a:r>
-            <a:r>
-              <a:rPr lang="de-DE" dirty="0" err="1">
-                <a:solidFill>
-                  <a:srgbClr val="FFFFFF"/>
-                </a:solidFill>
-                <a:ea typeface="+mn-lt"/>
-                <a:cs typeface="+mn-lt"/>
-              </a:rPr>
-              <a:t>são</a:t>
-            </a:r>
-            <a:r>
-              <a:rPr lang="de-DE" dirty="0">
-                <a:solidFill>
-                  <a:srgbClr val="FFFFFF"/>
-                </a:solidFill>
-                <a:ea typeface="+mn-lt"/>
-                <a:cs typeface="+mn-lt"/>
-              </a:rPr>
-              <a:t> </a:t>
-            </a:r>
-            <a:r>
-              <a:rPr lang="de-DE" dirty="0" err="1">
-                <a:solidFill>
-                  <a:srgbClr val="FFFFFF"/>
-                </a:solidFill>
-                <a:ea typeface="+mn-lt"/>
-                <a:cs typeface="+mn-lt"/>
-              </a:rPr>
-              <a:t>avaliadas</a:t>
-            </a:r>
-            <a:r>
-              <a:rPr lang="de-DE" dirty="0">
-                <a:solidFill>
-                  <a:srgbClr val="FFFFFF"/>
-                </a:solidFill>
-                <a:ea typeface="+mn-lt"/>
-                <a:cs typeface="+mn-lt"/>
-              </a:rPr>
-              <a:t>.</a:t>
-            </a:r>
-            <a:endParaRPr lang="pt-BR" dirty="0"/>
+              <a:t>Nos psicológicos, avaliam-se reações a situações estressantes.</a:t>
+            </a:r>
           </a:p>
         </p:txBody>
       </p:sp>
